--- a/markdown/files/slides/linked_nodes_queue.pptx
+++ b/markdown/files/slides/linked_nodes_queue.pptx
@@ -23,7 +23,6 @@
     <p:sldId id="290" r:id="rId17"/>
     <p:sldId id="292" r:id="rId18"/>
     <p:sldId id="293" r:id="rId19"/>
-    <p:sldId id="271" r:id="rId20"/>
   </p:sldIdLst>
   <p:sldSz cx="12192000" cy="6858000"/>
   <p:notesSz cx="6858000" cy="9144000"/>
@@ -6574,10 +6573,13 @@
       </p:sp>
       <p:grpSp>
         <p:nvGrpSpPr>
-          <p:cNvPr id="29" name="Group 28" descr="An illustration of a linked queue data structure. The elements of the list are contained in node objects. Each node object has a reference to another node object to establish a sequence of elements. There is also a reference called &quot;front&quot; that points to the first node in the queue, and a reference called &quot;back&quot; that points to the last node in the queue.">
+          <p:cNvPr id="29" name="Group 28">
             <a:extLst>
               <a:ext uri="{FF2B5EF4-FFF2-40B4-BE49-F238E27FC236}">
                 <a16:creationId xmlns:a16="http://schemas.microsoft.com/office/drawing/2014/main" id="{4B4B5D53-DEDA-13E5-D62C-6CA0CA1C8800}"/>
+              </a:ext>
+              <a:ext uri="{C183D7F6-B498-43B3-948B-1728B52AA6E4}">
+                <adec:decorative xmlns:adec="http://schemas.microsoft.com/office/drawing/2017/decorative" val="1"/>
               </a:ext>
             </a:extLst>
           </p:cNvPr>
@@ -8086,7 +8088,7 @@
       </p:sp>
       <p:grpSp>
         <p:nvGrpSpPr>
-          <p:cNvPr id="14" name="Group 13">
+          <p:cNvPr id="14" name="Group 13" descr="The front reference has advanced to the second node in the representation. The node that was previously first no longer has any references leading to it, and so it is garbage collected.">
             <a:extLst>
               <a:ext uri="{FF2B5EF4-FFF2-40B4-BE49-F238E27FC236}">
                 <a16:creationId xmlns:a16="http://schemas.microsoft.com/office/drawing/2014/main" id="{B28EA197-B61C-6EE3-3532-48AB2002D72E}"/>
@@ -9978,7 +9980,7 @@
       </p:sp>
       <p:grpSp>
         <p:nvGrpSpPr>
-          <p:cNvPr id="14" name="Group 13">
+          <p:cNvPr id="14" name="Group 13" descr="The current line of code checks if front is now a null reference. It is not for this example, so there is no change.">
             <a:extLst>
               <a:ext uri="{FF2B5EF4-FFF2-40B4-BE49-F238E27FC236}">
                 <a16:creationId xmlns:a16="http://schemas.microsoft.com/office/drawing/2014/main" id="{28EAC640-D45F-47DA-C9B6-070B0DC01CA3}"/>
@@ -11547,7 +11549,7 @@
       </p:sp>
       <p:grpSp>
         <p:nvGrpSpPr>
-          <p:cNvPr id="7" name="Group 6">
+          <p:cNvPr id="7" name="Group 6" descr="Finally, we return the value in the variable &quot;first&quot;.">
             <a:extLst>
               <a:ext uri="{FF2B5EF4-FFF2-40B4-BE49-F238E27FC236}">
                 <a16:creationId xmlns:a16="http://schemas.microsoft.com/office/drawing/2014/main" id="{C6C5EB05-A344-6F7C-7001-DB53FC62FF1A}"/>
@@ -13210,10 +13212,10 @@
       </p:sp>
       <p:grpSp>
         <p:nvGrpSpPr>
-          <p:cNvPr id="58" name="Group 57" descr="An illustration of a linked queue data structure. The elements of the list are contained in node objects. Each node object has a reference to another node object to establish a sequence of elements. There is also a reference called &quot;front&quot; that points to the first node in the queue, and a reference called &quot;back&quot; that points to the last node in the queue.">
+          <p:cNvPr id="7" name="Group 6" descr="We are highlighting that line 3 of the dequeue algorithm which is:&#10;if (front == null) {back = null;}&#10;is intended to address the situation in which the queue becomes empty after dequeuing.">
             <a:extLst>
               <a:ext uri="{FF2B5EF4-FFF2-40B4-BE49-F238E27FC236}">
-                <a16:creationId xmlns:a16="http://schemas.microsoft.com/office/drawing/2014/main" id="{DB164E42-5BF3-F6B6-29AA-C9E52A11C433}"/>
+                <a16:creationId xmlns:a16="http://schemas.microsoft.com/office/drawing/2014/main" id="{60C17147-3702-F298-E9A6-5A0F67B28D18}"/>
               </a:ext>
             </a:extLst>
           </p:cNvPr>
@@ -13222,18 +13224,128 @@
         </p:nvGrpSpPr>
         <p:grpSpPr>
           <a:xfrm>
-            <a:off x="967409" y="3667532"/>
-            <a:ext cx="8239760" cy="1718152"/>
-            <a:chOff x="838200" y="1554957"/>
-            <a:chExt cx="8239760" cy="1718152"/>
+            <a:off x="8587409" y="1888435"/>
+            <a:ext cx="2892287" cy="646331"/>
+            <a:chOff x="8587409" y="1888435"/>
+            <a:chExt cx="2892287" cy="646331"/>
+          </a:xfrm>
+        </p:grpSpPr>
+        <p:sp>
+          <p:nvSpPr>
+            <p:cNvPr id="3" name="TextBox 2">
+              <a:extLst>
+                <a:ext uri="{FF2B5EF4-FFF2-40B4-BE49-F238E27FC236}">
+                  <a16:creationId xmlns:a16="http://schemas.microsoft.com/office/drawing/2014/main" id="{CAFE2770-2B20-0A18-3942-912DF47BEBB4}"/>
+                </a:ext>
+              </a:extLst>
+            </p:cNvPr>
+            <p:cNvSpPr txBox="1"/>
+            <p:nvPr/>
+          </p:nvSpPr>
+          <p:spPr>
+            <a:xfrm>
+              <a:off x="9412357" y="1888435"/>
+              <a:ext cx="2067339" cy="646331"/>
+            </a:xfrm>
+            <a:prstGeom prst="rect">
+              <a:avLst/>
+            </a:prstGeom>
+            <a:noFill/>
+            <a:ln>
+              <a:solidFill>
+                <a:srgbClr val="C00000"/>
+              </a:solidFill>
+            </a:ln>
+          </p:spPr>
+          <p:txBody>
+            <a:bodyPr wrap="square" rtlCol="0">
+              <a:spAutoFit/>
+            </a:bodyPr>
+            <a:lstStyle/>
+            <a:p>
+              <a:r>
+                <a:rPr lang="en-US" dirty="0">
+                  <a:solidFill>
+                    <a:srgbClr val="C00000"/>
+                  </a:solidFill>
+                </a:rPr>
+                <a:t>For when the queue becomes empty</a:t>
+              </a:r>
+            </a:p>
+          </p:txBody>
+        </p:sp>
+        <p:cxnSp>
+          <p:nvCxnSpPr>
+            <p:cNvPr id="4" name="Straight Arrow Connector 3">
+              <a:extLst>
+                <a:ext uri="{FF2B5EF4-FFF2-40B4-BE49-F238E27FC236}">
+                  <a16:creationId xmlns:a16="http://schemas.microsoft.com/office/drawing/2014/main" id="{729367A4-6013-0EA8-3370-0F96D7E39F8F}"/>
+                </a:ext>
+              </a:extLst>
+            </p:cNvPr>
+            <p:cNvCxnSpPr>
+              <a:cxnSpLocks/>
+              <a:stCxn id="3" idx="1"/>
+            </p:cNvCxnSpPr>
+            <p:nvPr/>
+          </p:nvCxnSpPr>
+          <p:spPr>
+            <a:xfrm flipH="1">
+              <a:off x="8587409" y="2211601"/>
+              <a:ext cx="824948" cy="183729"/>
+            </a:xfrm>
+            <a:prstGeom prst="straightConnector1">
+              <a:avLst/>
+            </a:prstGeom>
+            <a:ln w="57150">
+              <a:solidFill>
+                <a:srgbClr val="C00000"/>
+              </a:solidFill>
+              <a:tailEnd type="triangle"/>
+            </a:ln>
+          </p:spPr>
+          <p:style>
+            <a:lnRef idx="1">
+              <a:schemeClr val="accent1"/>
+            </a:lnRef>
+            <a:fillRef idx="0">
+              <a:schemeClr val="accent1"/>
+            </a:fillRef>
+            <a:effectRef idx="0">
+              <a:schemeClr val="accent1"/>
+            </a:effectRef>
+            <a:fontRef idx="minor">
+              <a:schemeClr val="tx1"/>
+            </a:fontRef>
+          </p:style>
+        </p:cxnSp>
+      </p:grpSp>
+      <p:grpSp>
+        <p:nvGrpSpPr>
+          <p:cNvPr id="8" name="Group 7" descr="An illustration of a linked queue data structure with only one value so that when we dequeue the queue will become empty. Because there was only 1 node, front and back both reference that same node.">
+            <a:extLst>
+              <a:ext uri="{FF2B5EF4-FFF2-40B4-BE49-F238E27FC236}">
+                <a16:creationId xmlns:a16="http://schemas.microsoft.com/office/drawing/2014/main" id="{4300D3B6-95C6-B915-71F4-950E6202A3FD}"/>
+              </a:ext>
+            </a:extLst>
+          </p:cNvPr>
+          <p:cNvGrpSpPr/>
+          <p:nvPr/>
+        </p:nvGrpSpPr>
+        <p:grpSpPr>
+          <a:xfrm>
+            <a:off x="4386470" y="3690302"/>
+            <a:ext cx="2946400" cy="1718152"/>
+            <a:chOff x="4386470" y="3690302"/>
+            <a:chExt cx="2946400" cy="1718152"/>
           </a:xfrm>
         </p:grpSpPr>
         <p:grpSp>
           <p:nvGrpSpPr>
-            <p:cNvPr id="59" name="Group 58">
+            <p:cNvPr id="9" name="Group 8">
               <a:extLst>
                 <a:ext uri="{FF2B5EF4-FFF2-40B4-BE49-F238E27FC236}">
-                  <a16:creationId xmlns:a16="http://schemas.microsoft.com/office/drawing/2014/main" id="{68219AF1-EC20-1218-084E-F5134AC061E4}"/>
+                  <a16:creationId xmlns:a16="http://schemas.microsoft.com/office/drawing/2014/main" id="{92764546-770F-A127-71C9-F013E4892E6B}"/>
                 </a:ext>
               </a:extLst>
             </p:cNvPr>
@@ -13242,183 +13354,83 @@
           </p:nvGrpSpPr>
           <p:grpSpPr>
             <a:xfrm>
-              <a:off x="2727960" y="1554957"/>
-              <a:ext cx="6350000" cy="528320"/>
-              <a:chOff x="2727960" y="1554957"/>
-              <a:chExt cx="6350000" cy="528320"/>
+              <a:off x="6276230" y="3690302"/>
+              <a:ext cx="1056640" cy="528320"/>
+              <a:chOff x="8117840" y="4104640"/>
+              <a:chExt cx="1056640" cy="528320"/>
             </a:xfrm>
           </p:grpSpPr>
-          <p:grpSp>
-            <p:nvGrpSpPr>
-              <p:cNvPr id="64" name="Group 63">
+          <p:sp>
+            <p:nvSpPr>
+              <p:cNvPr id="15" name="Rectangle 14">
                 <a:extLst>
                   <a:ext uri="{FF2B5EF4-FFF2-40B4-BE49-F238E27FC236}">
-                    <a16:creationId xmlns:a16="http://schemas.microsoft.com/office/drawing/2014/main" id="{D398681F-A987-369B-6B60-E3B2AF616580}"/>
+                    <a16:creationId xmlns:a16="http://schemas.microsoft.com/office/drawing/2014/main" id="{9F5A333A-594C-0143-DCC9-27C37504011C}"/>
                   </a:ext>
                 </a:extLst>
               </p:cNvPr>
-              <p:cNvGrpSpPr/>
+              <p:cNvSpPr/>
               <p:nvPr/>
-            </p:nvGrpSpPr>
-            <p:grpSpPr>
+            </p:nvSpPr>
+            <p:spPr>
               <a:xfrm>
-                <a:off x="4053840" y="1554957"/>
-                <a:ext cx="1056640" cy="528320"/>
-                <a:chOff x="8117840" y="4104640"/>
-                <a:chExt cx="1056640" cy="528320"/>
+                <a:off x="8117840" y="4104640"/>
+                <a:ext cx="528320" cy="528320"/>
               </a:xfrm>
-            </p:grpSpPr>
-            <p:sp>
-              <p:nvSpPr>
-                <p:cNvPr id="81" name="Rectangle 80">
-                  <a:extLst>
-                    <a:ext uri="{FF2B5EF4-FFF2-40B4-BE49-F238E27FC236}">
-                      <a16:creationId xmlns:a16="http://schemas.microsoft.com/office/drawing/2014/main" id="{60BDED84-9143-F105-9E43-C25587A4EC28}"/>
-                    </a:ext>
-                  </a:extLst>
-                </p:cNvPr>
-                <p:cNvSpPr/>
-                <p:nvPr/>
-              </p:nvSpPr>
-              <p:spPr>
-                <a:xfrm>
-                  <a:off x="8117840" y="4104640"/>
-                  <a:ext cx="528320" cy="528320"/>
-                </a:xfrm>
-                <a:prstGeom prst="rect">
-                  <a:avLst/>
-                </a:prstGeom>
-                <a:solidFill>
-                  <a:schemeClr val="accent4">
-                    <a:lumMod val="40000"/>
-                    <a:lumOff val="60000"/>
-                  </a:schemeClr>
-                </a:solidFill>
-              </p:spPr>
-              <p:style>
-                <a:lnRef idx="2">
-                  <a:schemeClr val="accent1">
-                    <a:shade val="15000"/>
-                  </a:schemeClr>
-                </a:lnRef>
-                <a:fillRef idx="1">
-                  <a:schemeClr val="accent1"/>
-                </a:fillRef>
-                <a:effectRef idx="0">
-                  <a:schemeClr val="accent1"/>
-                </a:effectRef>
-                <a:fontRef idx="minor">
-                  <a:schemeClr val="lt1"/>
-                </a:fontRef>
-              </p:style>
-              <p:txBody>
-                <a:bodyPr rtlCol="0" anchor="ctr"/>
-                <a:lstStyle/>
-                <a:p>
-                  <a:pPr marL="0" marR="0" lvl="0" indent="0" algn="ctr" defTabSz="914400" rtl="0" eaLnBrk="1" fontAlgn="auto" latinLnBrk="0" hangingPunct="1">
-                    <a:lnSpc>
-                      <a:spcPct val="100000"/>
-                    </a:lnSpc>
-                    <a:spcBef>
-                      <a:spcPts val="0"/>
-                    </a:spcBef>
-                    <a:spcAft>
-                      <a:spcPts val="0"/>
-                    </a:spcAft>
-                    <a:buClrTx/>
-                    <a:buSzTx/>
-                    <a:buFontTx/>
-                    <a:buNone/>
-                    <a:tabLst/>
-                    <a:defRPr/>
-                  </a:pPr>
-                  <a:r>
-                    <a:rPr kumimoji="0" lang="en-US" sz="1800" b="0" i="0" u="none" strike="noStrike" kern="1200" cap="none" spc="0" normalizeH="0" baseline="0" noProof="0" dirty="0">
-                      <a:ln>
-                        <a:noFill/>
-                      </a:ln>
-                      <a:solidFill>
-                        <a:prstClr val="black"/>
-                      </a:solidFill>
-                      <a:effectLst/>
-                      <a:uLnTx/>
-                      <a:uFillTx/>
-                      <a:latin typeface="Calibri" panose="020F0502020204030204"/>
-                      <a:ea typeface="+mn-ea"/>
-                      <a:cs typeface="+mn-cs"/>
-                    </a:rPr>
-                    <a:t>8</a:t>
-                  </a:r>
-                </a:p>
-              </p:txBody>
-            </p:sp>
-            <p:sp>
-              <p:nvSpPr>
-                <p:cNvPr id="82" name="Rectangle 81">
-                  <a:extLst>
-                    <a:ext uri="{FF2B5EF4-FFF2-40B4-BE49-F238E27FC236}">
-                      <a16:creationId xmlns:a16="http://schemas.microsoft.com/office/drawing/2014/main" id="{24811D1D-0C6A-CBC6-0F37-9A90A56ED0E4}"/>
-                    </a:ext>
-                  </a:extLst>
-                </p:cNvPr>
-                <p:cNvSpPr/>
-                <p:nvPr/>
-              </p:nvSpPr>
-              <p:spPr>
-                <a:xfrm>
-                  <a:off x="8646160" y="4104640"/>
-                  <a:ext cx="528320" cy="528320"/>
-                </a:xfrm>
-                <a:prstGeom prst="rect">
-                  <a:avLst/>
-                </a:prstGeom>
-                <a:solidFill>
-                  <a:schemeClr val="bg1"/>
-                </a:solidFill>
-              </p:spPr>
-              <p:style>
-                <a:lnRef idx="2">
-                  <a:schemeClr val="accent1">
-                    <a:shade val="15000"/>
-                  </a:schemeClr>
-                </a:lnRef>
-                <a:fillRef idx="1">
-                  <a:schemeClr val="accent1"/>
-                </a:fillRef>
-                <a:effectRef idx="0">
-                  <a:schemeClr val="accent1"/>
-                </a:effectRef>
-                <a:fontRef idx="minor">
-                  <a:schemeClr val="lt1"/>
-                </a:fontRef>
-              </p:style>
-              <p:txBody>
-                <a:bodyPr rtlCol="0" anchor="ctr"/>
-                <a:lstStyle/>
-                <a:p>
-                  <a:pPr marL="0" marR="0" lvl="0" indent="0" algn="ctr" defTabSz="914400" rtl="0" eaLnBrk="1" fontAlgn="auto" latinLnBrk="0" hangingPunct="1">
-                    <a:lnSpc>
-                      <a:spcPct val="100000"/>
-                    </a:lnSpc>
-                    <a:spcBef>
-                      <a:spcPts val="0"/>
-                    </a:spcBef>
-                    <a:spcAft>
-                      <a:spcPts val="0"/>
-                    </a:spcAft>
-                    <a:buClrTx/>
-                    <a:buSzTx/>
-                    <a:buFontTx/>
-                    <a:buNone/>
-                    <a:tabLst/>
-                    <a:defRPr/>
-                  </a:pPr>
-                  <a:endParaRPr kumimoji="0" lang="en-US" sz="1800" b="0" i="0" u="none" strike="noStrike" kern="1200" cap="none" spc="0" normalizeH="0" baseline="0" noProof="0">
+              <a:prstGeom prst="rect">
+                <a:avLst/>
+              </a:prstGeom>
+              <a:solidFill>
+                <a:schemeClr val="accent4">
+                  <a:lumMod val="40000"/>
+                  <a:lumOff val="60000"/>
+                </a:schemeClr>
+              </a:solidFill>
+            </p:spPr>
+            <p:style>
+              <a:lnRef idx="2">
+                <a:schemeClr val="accent1">
+                  <a:shade val="15000"/>
+                </a:schemeClr>
+              </a:lnRef>
+              <a:fillRef idx="1">
+                <a:schemeClr val="accent1"/>
+              </a:fillRef>
+              <a:effectRef idx="0">
+                <a:schemeClr val="accent1"/>
+              </a:effectRef>
+              <a:fontRef idx="minor">
+                <a:schemeClr val="lt1"/>
+              </a:fontRef>
+            </p:style>
+            <p:txBody>
+              <a:bodyPr rtlCol="0" anchor="ctr"/>
+              <a:lstStyle/>
+              <a:p>
+                <a:pPr marL="0" marR="0" lvl="0" indent="0" algn="ctr" defTabSz="914400" rtl="0" eaLnBrk="1" fontAlgn="auto" latinLnBrk="0" hangingPunct="1">
+                  <a:lnSpc>
+                    <a:spcPct val="100000"/>
+                  </a:lnSpc>
+                  <a:spcBef>
+                    <a:spcPts val="0"/>
+                  </a:spcBef>
+                  <a:spcAft>
+                    <a:spcPts val="0"/>
+                  </a:spcAft>
+                  <a:buClrTx/>
+                  <a:buSzTx/>
+                  <a:buFontTx/>
+                  <a:buNone/>
+                  <a:tabLst/>
+                  <a:defRPr/>
+                </a:pPr>
+                <a:r>
+                  <a:rPr kumimoji="0" lang="en-US" sz="1800" b="0" i="0" u="none" strike="noStrike" kern="1200" cap="none" spc="0" normalizeH="0" baseline="0" noProof="0" dirty="0">
                     <a:ln>
                       <a:noFill/>
                     </a:ln>
                     <a:solidFill>
-                      <a:prstClr val="white"/>
+                      <a:prstClr val="black"/>
                     </a:solidFill>
                     <a:effectLst/>
                     <a:uLnTx/>
@@ -13426,930 +13438,97 @@
                     <a:latin typeface="Calibri" panose="020F0502020204030204"/>
                     <a:ea typeface="+mn-ea"/>
                     <a:cs typeface="+mn-cs"/>
-                  </a:endParaRPr>
-                </a:p>
-              </p:txBody>
-            </p:sp>
-          </p:grpSp>
-          <p:grpSp>
-            <p:nvGrpSpPr>
-              <p:cNvPr id="65" name="Group 64">
+                  </a:rPr>
+                  <a:t>5</a:t>
+                </a:r>
+              </a:p>
+            </p:txBody>
+          </p:sp>
+          <p:sp>
+            <p:nvSpPr>
+              <p:cNvPr id="16" name="Rectangle 15">
                 <a:extLst>
                   <a:ext uri="{FF2B5EF4-FFF2-40B4-BE49-F238E27FC236}">
-                    <a16:creationId xmlns:a16="http://schemas.microsoft.com/office/drawing/2014/main" id="{3C74E937-154B-D081-AECA-65EE3655F9CC}"/>
+                    <a16:creationId xmlns:a16="http://schemas.microsoft.com/office/drawing/2014/main" id="{28BAA01D-751C-2B28-1ACB-484254CBD22F}"/>
                   </a:ext>
                 </a:extLst>
               </p:cNvPr>
-              <p:cNvGrpSpPr/>
+              <p:cNvSpPr/>
               <p:nvPr/>
-            </p:nvGrpSpPr>
-            <p:grpSpPr>
-              <a:xfrm>
-                <a:off x="5374640" y="1554957"/>
-                <a:ext cx="1056640" cy="528320"/>
-                <a:chOff x="8117840" y="4104640"/>
-                <a:chExt cx="1056640" cy="528320"/>
-              </a:xfrm>
-            </p:grpSpPr>
-            <p:sp>
-              <p:nvSpPr>
-                <p:cNvPr id="79" name="Rectangle 78">
-                  <a:extLst>
-                    <a:ext uri="{FF2B5EF4-FFF2-40B4-BE49-F238E27FC236}">
-                      <a16:creationId xmlns:a16="http://schemas.microsoft.com/office/drawing/2014/main" id="{4C8301A5-4AF9-E60F-B9BB-A6A48A74AF7C}"/>
-                    </a:ext>
-                  </a:extLst>
-                </p:cNvPr>
-                <p:cNvSpPr/>
-                <p:nvPr/>
-              </p:nvSpPr>
-              <p:spPr>
-                <a:xfrm>
-                  <a:off x="8117840" y="4104640"/>
-                  <a:ext cx="528320" cy="528320"/>
-                </a:xfrm>
-                <a:prstGeom prst="rect">
-                  <a:avLst/>
-                </a:prstGeom>
-                <a:solidFill>
-                  <a:schemeClr val="accent4">
-                    <a:lumMod val="40000"/>
-                    <a:lumOff val="60000"/>
-                  </a:schemeClr>
-                </a:solidFill>
-              </p:spPr>
-              <p:style>
-                <a:lnRef idx="2">
-                  <a:schemeClr val="accent1">
-                    <a:shade val="15000"/>
-                  </a:schemeClr>
-                </a:lnRef>
-                <a:fillRef idx="1">
-                  <a:schemeClr val="accent1"/>
-                </a:fillRef>
-                <a:effectRef idx="0">
-                  <a:schemeClr val="accent1"/>
-                </a:effectRef>
-                <a:fontRef idx="minor">
-                  <a:schemeClr val="lt1"/>
-                </a:fontRef>
-              </p:style>
-              <p:txBody>
-                <a:bodyPr rtlCol="0" anchor="ctr"/>
-                <a:lstStyle/>
-                <a:p>
-                  <a:pPr marL="0" marR="0" lvl="0" indent="0" algn="ctr" defTabSz="914400" rtl="0" eaLnBrk="1" fontAlgn="auto" latinLnBrk="0" hangingPunct="1">
-                    <a:lnSpc>
-                      <a:spcPct val="100000"/>
-                    </a:lnSpc>
-                    <a:spcBef>
-                      <a:spcPts val="0"/>
-                    </a:spcBef>
-                    <a:spcAft>
-                      <a:spcPts val="0"/>
-                    </a:spcAft>
-                    <a:buClrTx/>
-                    <a:buSzTx/>
-                    <a:buFontTx/>
-                    <a:buNone/>
-                    <a:tabLst/>
-                    <a:defRPr/>
-                  </a:pPr>
-                  <a:r>
-                    <a:rPr kumimoji="0" lang="en-US" sz="1800" b="0" i="0" u="none" strike="noStrike" kern="1200" cap="none" spc="0" normalizeH="0" baseline="0" noProof="0" dirty="0">
-                      <a:ln>
-                        <a:noFill/>
-                      </a:ln>
-                      <a:solidFill>
-                        <a:prstClr val="black"/>
-                      </a:solidFill>
-                      <a:effectLst/>
-                      <a:uLnTx/>
-                      <a:uFillTx/>
-                      <a:latin typeface="Calibri" panose="020F0502020204030204"/>
-                      <a:ea typeface="+mn-ea"/>
-                      <a:cs typeface="+mn-cs"/>
-                    </a:rPr>
-                    <a:t>3</a:t>
-                  </a:r>
-                </a:p>
-              </p:txBody>
-            </p:sp>
-            <p:sp>
-              <p:nvSpPr>
-                <p:cNvPr id="80" name="Rectangle 79">
-                  <a:extLst>
-                    <a:ext uri="{FF2B5EF4-FFF2-40B4-BE49-F238E27FC236}">
-                      <a16:creationId xmlns:a16="http://schemas.microsoft.com/office/drawing/2014/main" id="{3DAFD9A7-0218-8EF7-1715-5CB4E3EED825}"/>
-                    </a:ext>
-                  </a:extLst>
-                </p:cNvPr>
-                <p:cNvSpPr/>
-                <p:nvPr/>
-              </p:nvSpPr>
-              <p:spPr>
-                <a:xfrm>
-                  <a:off x="8646160" y="4104640"/>
-                  <a:ext cx="528320" cy="528320"/>
-                </a:xfrm>
-                <a:prstGeom prst="rect">
-                  <a:avLst/>
-                </a:prstGeom>
-                <a:solidFill>
-                  <a:schemeClr val="bg1"/>
-                </a:solidFill>
-              </p:spPr>
-              <p:style>
-                <a:lnRef idx="2">
-                  <a:schemeClr val="accent1">
-                    <a:shade val="15000"/>
-                  </a:schemeClr>
-                </a:lnRef>
-                <a:fillRef idx="1">
-                  <a:schemeClr val="accent1"/>
-                </a:fillRef>
-                <a:effectRef idx="0">
-                  <a:schemeClr val="accent1"/>
-                </a:effectRef>
-                <a:fontRef idx="minor">
-                  <a:schemeClr val="lt1"/>
-                </a:fontRef>
-              </p:style>
-              <p:txBody>
-                <a:bodyPr rtlCol="0" anchor="ctr"/>
-                <a:lstStyle/>
-                <a:p>
-                  <a:pPr marL="0" marR="0" lvl="0" indent="0" algn="ctr" defTabSz="914400" rtl="0" eaLnBrk="1" fontAlgn="auto" latinLnBrk="0" hangingPunct="1">
-                    <a:lnSpc>
-                      <a:spcPct val="100000"/>
-                    </a:lnSpc>
-                    <a:spcBef>
-                      <a:spcPts val="0"/>
-                    </a:spcBef>
-                    <a:spcAft>
-                      <a:spcPts val="0"/>
-                    </a:spcAft>
-                    <a:buClrTx/>
-                    <a:buSzTx/>
-                    <a:buFontTx/>
-                    <a:buNone/>
-                    <a:tabLst/>
-                    <a:defRPr/>
-                  </a:pPr>
-                  <a:endParaRPr kumimoji="0" lang="en-US" sz="1800" b="0" i="0" u="none" strike="noStrike" kern="1200" cap="none" spc="0" normalizeH="0" baseline="0" noProof="0">
-                    <a:ln>
-                      <a:noFill/>
-                    </a:ln>
-                    <a:solidFill>
-                      <a:prstClr val="white"/>
-                    </a:solidFill>
-                    <a:effectLst/>
-                    <a:uLnTx/>
-                    <a:uFillTx/>
-                    <a:latin typeface="Calibri" panose="020F0502020204030204"/>
-                    <a:ea typeface="+mn-ea"/>
-                    <a:cs typeface="+mn-cs"/>
-                  </a:endParaRPr>
-                </a:p>
-              </p:txBody>
-            </p:sp>
-          </p:grpSp>
-          <p:grpSp>
-            <p:nvGrpSpPr>
-              <p:cNvPr id="66" name="Group 65">
-                <a:extLst>
-                  <a:ext uri="{FF2B5EF4-FFF2-40B4-BE49-F238E27FC236}">
-                    <a16:creationId xmlns:a16="http://schemas.microsoft.com/office/drawing/2014/main" id="{17A68A8A-C023-B504-2228-82D57CD3270F}"/>
-                  </a:ext>
-                </a:extLst>
-              </p:cNvPr>
-              <p:cNvGrpSpPr/>
-              <p:nvPr/>
-            </p:nvGrpSpPr>
-            <p:grpSpPr>
-              <a:xfrm>
-                <a:off x="6700520" y="1554957"/>
-                <a:ext cx="1056640" cy="528320"/>
-                <a:chOff x="8117840" y="4104640"/>
-                <a:chExt cx="1056640" cy="528320"/>
-              </a:xfrm>
-            </p:grpSpPr>
-            <p:sp>
-              <p:nvSpPr>
-                <p:cNvPr id="77" name="Rectangle 76">
-                  <a:extLst>
-                    <a:ext uri="{FF2B5EF4-FFF2-40B4-BE49-F238E27FC236}">
-                      <a16:creationId xmlns:a16="http://schemas.microsoft.com/office/drawing/2014/main" id="{7D19E5F3-C8E9-9747-2A24-6E3F8DC3A905}"/>
-                    </a:ext>
-                  </a:extLst>
-                </p:cNvPr>
-                <p:cNvSpPr/>
-                <p:nvPr/>
-              </p:nvSpPr>
-              <p:spPr>
-                <a:xfrm>
-                  <a:off x="8117840" y="4104640"/>
-                  <a:ext cx="528320" cy="528320"/>
-                </a:xfrm>
-                <a:prstGeom prst="rect">
-                  <a:avLst/>
-                </a:prstGeom>
-                <a:solidFill>
-                  <a:schemeClr val="accent4">
-                    <a:lumMod val="40000"/>
-                    <a:lumOff val="60000"/>
-                  </a:schemeClr>
-                </a:solidFill>
-              </p:spPr>
-              <p:style>
-                <a:lnRef idx="2">
-                  <a:schemeClr val="accent1">
-                    <a:shade val="15000"/>
-                  </a:schemeClr>
-                </a:lnRef>
-                <a:fillRef idx="1">
-                  <a:schemeClr val="accent1"/>
-                </a:fillRef>
-                <a:effectRef idx="0">
-                  <a:schemeClr val="accent1"/>
-                </a:effectRef>
-                <a:fontRef idx="minor">
-                  <a:schemeClr val="lt1"/>
-                </a:fontRef>
-              </p:style>
-              <p:txBody>
-                <a:bodyPr rtlCol="0" anchor="ctr"/>
-                <a:lstStyle/>
-                <a:p>
-                  <a:pPr marL="0" marR="0" lvl="0" indent="0" algn="ctr" defTabSz="914400" rtl="0" eaLnBrk="1" fontAlgn="auto" latinLnBrk="0" hangingPunct="1">
-                    <a:lnSpc>
-                      <a:spcPct val="100000"/>
-                    </a:lnSpc>
-                    <a:spcBef>
-                      <a:spcPts val="0"/>
-                    </a:spcBef>
-                    <a:spcAft>
-                      <a:spcPts val="0"/>
-                    </a:spcAft>
-                    <a:buClrTx/>
-                    <a:buSzTx/>
-                    <a:buFontTx/>
-                    <a:buNone/>
-                    <a:tabLst/>
-                    <a:defRPr/>
-                  </a:pPr>
-                  <a:r>
-                    <a:rPr kumimoji="0" lang="en-US" sz="1800" b="0" i="0" u="none" strike="noStrike" kern="1200" cap="none" spc="0" normalizeH="0" baseline="0" noProof="0" dirty="0">
-                      <a:ln>
-                        <a:noFill/>
-                      </a:ln>
-                      <a:solidFill>
-                        <a:prstClr val="black"/>
-                      </a:solidFill>
-                      <a:effectLst/>
-                      <a:uLnTx/>
-                      <a:uFillTx/>
-                      <a:latin typeface="Calibri" panose="020F0502020204030204"/>
-                      <a:ea typeface="+mn-ea"/>
-                      <a:cs typeface="+mn-cs"/>
-                    </a:rPr>
-                    <a:t>4</a:t>
-                  </a:r>
-                </a:p>
-              </p:txBody>
-            </p:sp>
-            <p:sp>
-              <p:nvSpPr>
-                <p:cNvPr id="78" name="Rectangle 77">
-                  <a:extLst>
-                    <a:ext uri="{FF2B5EF4-FFF2-40B4-BE49-F238E27FC236}">
-                      <a16:creationId xmlns:a16="http://schemas.microsoft.com/office/drawing/2014/main" id="{29E2FFF0-B5FB-DF56-8E6E-BE97111C01AA}"/>
-                    </a:ext>
-                  </a:extLst>
-                </p:cNvPr>
-                <p:cNvSpPr/>
-                <p:nvPr/>
-              </p:nvSpPr>
-              <p:spPr>
-                <a:xfrm>
-                  <a:off x="8646160" y="4104640"/>
-                  <a:ext cx="528320" cy="528320"/>
-                </a:xfrm>
-                <a:prstGeom prst="rect">
-                  <a:avLst/>
-                </a:prstGeom>
-                <a:solidFill>
-                  <a:schemeClr val="bg1"/>
-                </a:solidFill>
-              </p:spPr>
-              <p:style>
-                <a:lnRef idx="2">
-                  <a:schemeClr val="accent1">
-                    <a:shade val="15000"/>
-                  </a:schemeClr>
-                </a:lnRef>
-                <a:fillRef idx="1">
-                  <a:schemeClr val="accent1"/>
-                </a:fillRef>
-                <a:effectRef idx="0">
-                  <a:schemeClr val="accent1"/>
-                </a:effectRef>
-                <a:fontRef idx="minor">
-                  <a:schemeClr val="lt1"/>
-                </a:fontRef>
-              </p:style>
-              <p:txBody>
-                <a:bodyPr rtlCol="0" anchor="ctr"/>
-                <a:lstStyle/>
-                <a:p>
-                  <a:pPr marL="0" marR="0" lvl="0" indent="0" algn="ctr" defTabSz="914400" rtl="0" eaLnBrk="1" fontAlgn="auto" latinLnBrk="0" hangingPunct="1">
-                    <a:lnSpc>
-                      <a:spcPct val="100000"/>
-                    </a:lnSpc>
-                    <a:spcBef>
-                      <a:spcPts val="0"/>
-                    </a:spcBef>
-                    <a:spcAft>
-                      <a:spcPts val="0"/>
-                    </a:spcAft>
-                    <a:buClrTx/>
-                    <a:buSzTx/>
-                    <a:buFontTx/>
-                    <a:buNone/>
-                    <a:tabLst/>
-                    <a:defRPr/>
-                  </a:pPr>
-                  <a:endParaRPr kumimoji="0" lang="en-US" sz="1800" b="0" i="0" u="none" strike="noStrike" kern="1200" cap="none" spc="0" normalizeH="0" baseline="0" noProof="0">
-                    <a:ln>
-                      <a:noFill/>
-                    </a:ln>
-                    <a:solidFill>
-                      <a:prstClr val="white"/>
-                    </a:solidFill>
-                    <a:effectLst/>
-                    <a:uLnTx/>
-                    <a:uFillTx/>
-                    <a:latin typeface="Calibri" panose="020F0502020204030204"/>
-                    <a:ea typeface="+mn-ea"/>
-                    <a:cs typeface="+mn-cs"/>
-                  </a:endParaRPr>
-                </a:p>
-              </p:txBody>
-            </p:sp>
-          </p:grpSp>
-          <p:grpSp>
-            <p:nvGrpSpPr>
-              <p:cNvPr id="67" name="Group 66">
-                <a:extLst>
-                  <a:ext uri="{FF2B5EF4-FFF2-40B4-BE49-F238E27FC236}">
-                    <a16:creationId xmlns:a16="http://schemas.microsoft.com/office/drawing/2014/main" id="{3D2E7D64-06F5-656F-83C7-265588DA8DF0}"/>
-                  </a:ext>
-                </a:extLst>
-              </p:cNvPr>
-              <p:cNvGrpSpPr/>
-              <p:nvPr/>
-            </p:nvGrpSpPr>
-            <p:grpSpPr>
-              <a:xfrm>
-                <a:off x="8021320" y="1554957"/>
-                <a:ext cx="1056640" cy="528320"/>
-                <a:chOff x="8117840" y="4104640"/>
-                <a:chExt cx="1056640" cy="528320"/>
-              </a:xfrm>
-            </p:grpSpPr>
-            <p:sp>
-              <p:nvSpPr>
-                <p:cNvPr id="75" name="Rectangle 74">
-                  <a:extLst>
-                    <a:ext uri="{FF2B5EF4-FFF2-40B4-BE49-F238E27FC236}">
-                      <a16:creationId xmlns:a16="http://schemas.microsoft.com/office/drawing/2014/main" id="{6633B683-1602-8C49-33B0-19AA82B60A88}"/>
-                    </a:ext>
-                  </a:extLst>
-                </p:cNvPr>
-                <p:cNvSpPr/>
-                <p:nvPr/>
-              </p:nvSpPr>
-              <p:spPr>
-                <a:xfrm>
-                  <a:off x="8117840" y="4104640"/>
-                  <a:ext cx="528320" cy="528320"/>
-                </a:xfrm>
-                <a:prstGeom prst="rect">
-                  <a:avLst/>
-                </a:prstGeom>
-                <a:solidFill>
-                  <a:schemeClr val="accent4">
-                    <a:lumMod val="40000"/>
-                    <a:lumOff val="60000"/>
-                  </a:schemeClr>
-                </a:solidFill>
-              </p:spPr>
-              <p:style>
-                <a:lnRef idx="2">
-                  <a:schemeClr val="accent1">
-                    <a:shade val="15000"/>
-                  </a:schemeClr>
-                </a:lnRef>
-                <a:fillRef idx="1">
-                  <a:schemeClr val="accent1"/>
-                </a:fillRef>
-                <a:effectRef idx="0">
-                  <a:schemeClr val="accent1"/>
-                </a:effectRef>
-                <a:fontRef idx="minor">
-                  <a:schemeClr val="lt1"/>
-                </a:fontRef>
-              </p:style>
-              <p:txBody>
-                <a:bodyPr rtlCol="0" anchor="ctr"/>
-                <a:lstStyle/>
-                <a:p>
-                  <a:pPr marL="0" marR="0" lvl="0" indent="0" algn="ctr" defTabSz="914400" rtl="0" eaLnBrk="1" fontAlgn="auto" latinLnBrk="0" hangingPunct="1">
-                    <a:lnSpc>
-                      <a:spcPct val="100000"/>
-                    </a:lnSpc>
-                    <a:spcBef>
-                      <a:spcPts val="0"/>
-                    </a:spcBef>
-                    <a:spcAft>
-                      <a:spcPts val="0"/>
-                    </a:spcAft>
-                    <a:buClrTx/>
-                    <a:buSzTx/>
-                    <a:buFontTx/>
-                    <a:buNone/>
-                    <a:tabLst/>
-                    <a:defRPr/>
-                  </a:pPr>
-                  <a:r>
-                    <a:rPr kumimoji="0" lang="en-US" sz="1800" b="0" i="0" u="none" strike="noStrike" kern="1200" cap="none" spc="0" normalizeH="0" baseline="0" noProof="0" dirty="0">
-                      <a:ln>
-                        <a:noFill/>
-                      </a:ln>
-                      <a:solidFill>
-                        <a:prstClr val="black"/>
-                      </a:solidFill>
-                      <a:effectLst/>
-                      <a:uLnTx/>
-                      <a:uFillTx/>
-                      <a:latin typeface="Calibri" panose="020F0502020204030204"/>
-                      <a:ea typeface="+mn-ea"/>
-                      <a:cs typeface="+mn-cs"/>
-                    </a:rPr>
-                    <a:t>7</a:t>
-                  </a:r>
-                </a:p>
-              </p:txBody>
-            </p:sp>
-            <p:sp>
-              <p:nvSpPr>
-                <p:cNvPr id="76" name="Rectangle 75">
-                  <a:extLst>
-                    <a:ext uri="{FF2B5EF4-FFF2-40B4-BE49-F238E27FC236}">
-                      <a16:creationId xmlns:a16="http://schemas.microsoft.com/office/drawing/2014/main" id="{5243C2AC-8D66-D902-9434-4B26DB5BCB08}"/>
-                    </a:ext>
-                  </a:extLst>
-                </p:cNvPr>
-                <p:cNvSpPr/>
-                <p:nvPr/>
-              </p:nvSpPr>
-              <p:spPr>
-                <a:xfrm>
-                  <a:off x="8646160" y="4104640"/>
-                  <a:ext cx="528320" cy="528320"/>
-                </a:xfrm>
-                <a:prstGeom prst="rect">
-                  <a:avLst/>
-                </a:prstGeom>
-                <a:solidFill>
-                  <a:schemeClr val="bg1"/>
-                </a:solidFill>
-              </p:spPr>
-              <p:style>
-                <a:lnRef idx="2">
-                  <a:schemeClr val="accent1">
-                    <a:shade val="15000"/>
-                  </a:schemeClr>
-                </a:lnRef>
-                <a:fillRef idx="1">
-                  <a:schemeClr val="accent1"/>
-                </a:fillRef>
-                <a:effectRef idx="0">
-                  <a:schemeClr val="accent1"/>
-                </a:effectRef>
-                <a:fontRef idx="minor">
-                  <a:schemeClr val="lt1"/>
-                </a:fontRef>
-              </p:style>
-              <p:txBody>
-                <a:bodyPr rtlCol="0" anchor="ctr"/>
-                <a:lstStyle/>
-                <a:p>
-                  <a:pPr marL="0" marR="0" lvl="0" indent="0" algn="ctr" defTabSz="914400" rtl="0" eaLnBrk="1" fontAlgn="auto" latinLnBrk="0" hangingPunct="1">
-                    <a:lnSpc>
-                      <a:spcPct val="100000"/>
-                    </a:lnSpc>
-                    <a:spcBef>
-                      <a:spcPts val="0"/>
-                    </a:spcBef>
-                    <a:spcAft>
-                      <a:spcPts val="0"/>
-                    </a:spcAft>
-                    <a:buClrTx/>
-                    <a:buSzTx/>
-                    <a:buFontTx/>
-                    <a:buNone/>
-                    <a:tabLst/>
-                    <a:defRPr/>
-                  </a:pPr>
-                  <a:endParaRPr kumimoji="0" lang="en-US" sz="1800" b="0" i="0" u="none" strike="noStrike" kern="1200" cap="none" spc="0" normalizeH="0" baseline="0" noProof="0">
-                    <a:ln>
-                      <a:noFill/>
-                    </a:ln>
-                    <a:solidFill>
-                      <a:prstClr val="white"/>
-                    </a:solidFill>
-                    <a:effectLst/>
-                    <a:uLnTx/>
-                    <a:uFillTx/>
-                    <a:latin typeface="Calibri" panose="020F0502020204030204"/>
-                    <a:ea typeface="+mn-ea"/>
-                    <a:cs typeface="+mn-cs"/>
-                  </a:endParaRPr>
-                </a:p>
-              </p:txBody>
-            </p:sp>
-          </p:grpSp>
-          <p:grpSp>
-            <p:nvGrpSpPr>
-              <p:cNvPr id="68" name="Group 67">
-                <a:extLst>
-                  <a:ext uri="{FF2B5EF4-FFF2-40B4-BE49-F238E27FC236}">
-                    <a16:creationId xmlns:a16="http://schemas.microsoft.com/office/drawing/2014/main" id="{D90206BB-F937-9137-5C5A-585D3D15016C}"/>
-                  </a:ext>
-                </a:extLst>
-              </p:cNvPr>
-              <p:cNvGrpSpPr/>
-              <p:nvPr/>
-            </p:nvGrpSpPr>
-            <p:grpSpPr>
-              <a:xfrm>
-                <a:off x="2727960" y="1554957"/>
-                <a:ext cx="1056640" cy="528320"/>
-                <a:chOff x="8117840" y="4104640"/>
-                <a:chExt cx="1056640" cy="528320"/>
-              </a:xfrm>
-            </p:grpSpPr>
-            <p:sp>
-              <p:nvSpPr>
-                <p:cNvPr id="73" name="Rectangle 72">
-                  <a:extLst>
-                    <a:ext uri="{FF2B5EF4-FFF2-40B4-BE49-F238E27FC236}">
-                      <a16:creationId xmlns:a16="http://schemas.microsoft.com/office/drawing/2014/main" id="{94357F85-5EE9-6212-AF44-A1BE27ABF5A4}"/>
-                    </a:ext>
-                  </a:extLst>
-                </p:cNvPr>
-                <p:cNvSpPr/>
-                <p:nvPr/>
-              </p:nvSpPr>
-              <p:spPr>
-                <a:xfrm>
-                  <a:off x="8117840" y="4104640"/>
-                  <a:ext cx="528320" cy="528320"/>
-                </a:xfrm>
-                <a:prstGeom prst="rect">
-                  <a:avLst/>
-                </a:prstGeom>
-                <a:solidFill>
-                  <a:schemeClr val="accent4">
-                    <a:lumMod val="40000"/>
-                    <a:lumOff val="60000"/>
-                  </a:schemeClr>
-                </a:solidFill>
-              </p:spPr>
-              <p:style>
-                <a:lnRef idx="2">
-                  <a:schemeClr val="accent1">
-                    <a:shade val="15000"/>
-                  </a:schemeClr>
-                </a:lnRef>
-                <a:fillRef idx="1">
-                  <a:schemeClr val="accent1"/>
-                </a:fillRef>
-                <a:effectRef idx="0">
-                  <a:schemeClr val="accent1"/>
-                </a:effectRef>
-                <a:fontRef idx="minor">
-                  <a:schemeClr val="lt1"/>
-                </a:fontRef>
-              </p:style>
-              <p:txBody>
-                <a:bodyPr rtlCol="0" anchor="ctr"/>
-                <a:lstStyle/>
-                <a:p>
-                  <a:pPr marL="0" marR="0" lvl="0" indent="0" algn="ctr" defTabSz="914400" rtl="0" eaLnBrk="1" fontAlgn="auto" latinLnBrk="0" hangingPunct="1">
-                    <a:lnSpc>
-                      <a:spcPct val="100000"/>
-                    </a:lnSpc>
-                    <a:spcBef>
-                      <a:spcPts val="0"/>
-                    </a:spcBef>
-                    <a:spcAft>
-                      <a:spcPts val="0"/>
-                    </a:spcAft>
-                    <a:buClrTx/>
-                    <a:buSzTx/>
-                    <a:buFontTx/>
-                    <a:buNone/>
-                    <a:tabLst/>
-                    <a:defRPr/>
-                  </a:pPr>
-                  <a:r>
-                    <a:rPr kumimoji="0" lang="en-US" sz="1800" b="0" i="0" u="none" strike="noStrike" kern="1200" cap="none" spc="0" normalizeH="0" baseline="0" noProof="0" dirty="0">
-                      <a:ln>
-                        <a:noFill/>
-                      </a:ln>
-                      <a:solidFill>
-                        <a:prstClr val="black"/>
-                      </a:solidFill>
-                      <a:effectLst/>
-                      <a:uLnTx/>
-                      <a:uFillTx/>
-                      <a:latin typeface="Calibri" panose="020F0502020204030204"/>
-                      <a:ea typeface="+mn-ea"/>
-                      <a:cs typeface="+mn-cs"/>
-                    </a:rPr>
-                    <a:t>5</a:t>
-                  </a:r>
-                </a:p>
-              </p:txBody>
-            </p:sp>
-            <p:sp>
-              <p:nvSpPr>
-                <p:cNvPr id="74" name="Rectangle 73">
-                  <a:extLst>
-                    <a:ext uri="{FF2B5EF4-FFF2-40B4-BE49-F238E27FC236}">
-                      <a16:creationId xmlns:a16="http://schemas.microsoft.com/office/drawing/2014/main" id="{7C76CC8C-308E-F3BC-5C24-02486AD93D6A}"/>
-                    </a:ext>
-                  </a:extLst>
-                </p:cNvPr>
-                <p:cNvSpPr/>
-                <p:nvPr/>
-              </p:nvSpPr>
-              <p:spPr>
-                <a:xfrm>
-                  <a:off x="8646160" y="4104640"/>
-                  <a:ext cx="528320" cy="528320"/>
-                </a:xfrm>
-                <a:prstGeom prst="rect">
-                  <a:avLst/>
-                </a:prstGeom>
-                <a:solidFill>
-                  <a:schemeClr val="bg1"/>
-                </a:solidFill>
-              </p:spPr>
-              <p:style>
-                <a:lnRef idx="2">
-                  <a:schemeClr val="accent1">
-                    <a:shade val="15000"/>
-                  </a:schemeClr>
-                </a:lnRef>
-                <a:fillRef idx="1">
-                  <a:schemeClr val="accent1"/>
-                </a:fillRef>
-                <a:effectRef idx="0">
-                  <a:schemeClr val="accent1"/>
-                </a:effectRef>
-                <a:fontRef idx="minor">
-                  <a:schemeClr val="lt1"/>
-                </a:fontRef>
-              </p:style>
-              <p:txBody>
-                <a:bodyPr rtlCol="0" anchor="ctr"/>
-                <a:lstStyle/>
-                <a:p>
-                  <a:pPr marL="0" marR="0" lvl="0" indent="0" algn="ctr" defTabSz="914400" rtl="0" eaLnBrk="1" fontAlgn="auto" latinLnBrk="0" hangingPunct="1">
-                    <a:lnSpc>
-                      <a:spcPct val="100000"/>
-                    </a:lnSpc>
-                    <a:spcBef>
-                      <a:spcPts val="0"/>
-                    </a:spcBef>
-                    <a:spcAft>
-                      <a:spcPts val="0"/>
-                    </a:spcAft>
-                    <a:buClrTx/>
-                    <a:buSzTx/>
-                    <a:buFontTx/>
-                    <a:buNone/>
-                    <a:tabLst/>
-                    <a:defRPr/>
-                  </a:pPr>
-                  <a:endParaRPr kumimoji="0" lang="en-US" sz="1800" b="0" i="0" u="none" strike="noStrike" kern="1200" cap="none" spc="0" normalizeH="0" baseline="0" noProof="0">
-                    <a:ln>
-                      <a:noFill/>
-                    </a:ln>
-                    <a:solidFill>
-                      <a:prstClr val="white"/>
-                    </a:solidFill>
-                    <a:effectLst/>
-                    <a:uLnTx/>
-                    <a:uFillTx/>
-                    <a:latin typeface="Calibri" panose="020F0502020204030204"/>
-                    <a:ea typeface="+mn-ea"/>
-                    <a:cs typeface="+mn-cs"/>
-                  </a:endParaRPr>
-                </a:p>
-              </p:txBody>
-            </p:sp>
-          </p:grpSp>
-          <p:cxnSp>
-            <p:nvCxnSpPr>
-              <p:cNvPr id="69" name="Straight Arrow Connector 68">
-                <a:extLst>
-                  <a:ext uri="{FF2B5EF4-FFF2-40B4-BE49-F238E27FC236}">
-                    <a16:creationId xmlns:a16="http://schemas.microsoft.com/office/drawing/2014/main" id="{6FDB2028-0DCD-D7C1-3926-E205EC3D0130}"/>
-                  </a:ext>
-                </a:extLst>
-              </p:cNvPr>
-              <p:cNvCxnSpPr>
-                <a:cxnSpLocks/>
-                <a:endCxn id="81" idx="1"/>
-              </p:cNvCxnSpPr>
-              <p:nvPr/>
-            </p:nvCxnSpPr>
+            </p:nvSpPr>
             <p:spPr>
               <a:xfrm>
-                <a:off x="3520440" y="1819117"/>
-                <a:ext cx="533400" cy="0"/>
+                <a:off x="8646160" y="4104640"/>
+                <a:ext cx="528320" cy="528320"/>
               </a:xfrm>
-              <a:prstGeom prst="straightConnector1">
+              <a:prstGeom prst="rect">
                 <a:avLst/>
               </a:prstGeom>
-              <a:ln w="57150">
-                <a:solidFill>
-                  <a:srgbClr val="FF0000"/>
-                </a:solidFill>
-                <a:tailEnd type="triangle"/>
-              </a:ln>
+              <a:solidFill>
+                <a:schemeClr val="bg1"/>
+              </a:solidFill>
             </p:spPr>
             <p:style>
-              <a:lnRef idx="1">
-                <a:schemeClr val="accent1"/>
+              <a:lnRef idx="2">
+                <a:schemeClr val="accent1">
+                  <a:shade val="15000"/>
+                </a:schemeClr>
               </a:lnRef>
-              <a:fillRef idx="0">
+              <a:fillRef idx="1">
                 <a:schemeClr val="accent1"/>
               </a:fillRef>
               <a:effectRef idx="0">
                 <a:schemeClr val="accent1"/>
               </a:effectRef>
               <a:fontRef idx="minor">
-                <a:schemeClr val="tx1"/>
+                <a:schemeClr val="lt1"/>
               </a:fontRef>
             </p:style>
-          </p:cxnSp>
-          <p:cxnSp>
-            <p:nvCxnSpPr>
-              <p:cNvPr id="70" name="Straight Arrow Connector 69">
-                <a:extLst>
-                  <a:ext uri="{FF2B5EF4-FFF2-40B4-BE49-F238E27FC236}">
-                    <a16:creationId xmlns:a16="http://schemas.microsoft.com/office/drawing/2014/main" id="{1B998E96-A659-AB24-93DC-9A109435A169}"/>
-                  </a:ext>
-                </a:extLst>
-              </p:cNvPr>
-              <p:cNvCxnSpPr>
-                <a:cxnSpLocks/>
-                <a:endCxn id="79" idx="1"/>
-              </p:cNvCxnSpPr>
-              <p:nvPr/>
-            </p:nvCxnSpPr>
-            <p:spPr>
-              <a:xfrm>
-                <a:off x="4846320" y="1819117"/>
-                <a:ext cx="528320" cy="0"/>
-              </a:xfrm>
-              <a:prstGeom prst="straightConnector1">
-                <a:avLst/>
-              </a:prstGeom>
-              <a:ln w="57150">
-                <a:solidFill>
-                  <a:srgbClr val="FF0000"/>
-                </a:solidFill>
-                <a:tailEnd type="triangle"/>
-              </a:ln>
-            </p:spPr>
-            <p:style>
-              <a:lnRef idx="1">
-                <a:schemeClr val="accent1"/>
-              </a:lnRef>
-              <a:fillRef idx="0">
-                <a:schemeClr val="accent1"/>
-              </a:fillRef>
-              <a:effectRef idx="0">
-                <a:schemeClr val="accent1"/>
-              </a:effectRef>
-              <a:fontRef idx="minor">
-                <a:schemeClr val="tx1"/>
-              </a:fontRef>
-            </p:style>
-          </p:cxnSp>
-          <p:cxnSp>
-            <p:nvCxnSpPr>
-              <p:cNvPr id="71" name="Straight Arrow Connector 70">
-                <a:extLst>
-                  <a:ext uri="{FF2B5EF4-FFF2-40B4-BE49-F238E27FC236}">
-                    <a16:creationId xmlns:a16="http://schemas.microsoft.com/office/drawing/2014/main" id="{5DF6D45F-957C-128D-9ED2-CDAE340B3135}"/>
-                  </a:ext>
-                </a:extLst>
-              </p:cNvPr>
-              <p:cNvCxnSpPr>
-                <a:cxnSpLocks/>
-                <a:endCxn id="77" idx="1"/>
-              </p:cNvCxnSpPr>
-              <p:nvPr/>
-            </p:nvCxnSpPr>
-            <p:spPr>
-              <a:xfrm>
-                <a:off x="6167120" y="1819117"/>
-                <a:ext cx="533400" cy="0"/>
-              </a:xfrm>
-              <a:prstGeom prst="straightConnector1">
-                <a:avLst/>
-              </a:prstGeom>
-              <a:ln w="57150">
-                <a:solidFill>
-                  <a:srgbClr val="FF0000"/>
-                </a:solidFill>
-                <a:tailEnd type="triangle"/>
-              </a:ln>
-            </p:spPr>
-            <p:style>
-              <a:lnRef idx="1">
-                <a:schemeClr val="accent1"/>
-              </a:lnRef>
-              <a:fillRef idx="0">
-                <a:schemeClr val="accent1"/>
-              </a:fillRef>
-              <a:effectRef idx="0">
-                <a:schemeClr val="accent1"/>
-              </a:effectRef>
-              <a:fontRef idx="minor">
-                <a:schemeClr val="tx1"/>
-              </a:fontRef>
-            </p:style>
-          </p:cxnSp>
-          <p:cxnSp>
-            <p:nvCxnSpPr>
-              <p:cNvPr id="72" name="Straight Arrow Connector 71">
-                <a:extLst>
-                  <a:ext uri="{FF2B5EF4-FFF2-40B4-BE49-F238E27FC236}">
-                    <a16:creationId xmlns:a16="http://schemas.microsoft.com/office/drawing/2014/main" id="{03725B1A-A425-97AD-0339-C846C3DCB7B4}"/>
-                  </a:ext>
-                </a:extLst>
-              </p:cNvPr>
-              <p:cNvCxnSpPr>
-                <a:cxnSpLocks/>
-                <a:endCxn id="75" idx="1"/>
-              </p:cNvCxnSpPr>
-              <p:nvPr/>
-            </p:nvCxnSpPr>
-            <p:spPr>
-              <a:xfrm>
-                <a:off x="7493000" y="1819117"/>
-                <a:ext cx="528320" cy="0"/>
-              </a:xfrm>
-              <a:prstGeom prst="straightConnector1">
-                <a:avLst/>
-              </a:prstGeom>
-              <a:ln w="57150">
-                <a:solidFill>
-                  <a:srgbClr val="FF0000"/>
-                </a:solidFill>
-                <a:tailEnd type="triangle"/>
-              </a:ln>
-            </p:spPr>
-            <p:style>
-              <a:lnRef idx="1">
-                <a:schemeClr val="accent1"/>
-              </a:lnRef>
-              <a:fillRef idx="0">
-                <a:schemeClr val="accent1"/>
-              </a:fillRef>
-              <a:effectRef idx="0">
-                <a:schemeClr val="accent1"/>
-              </a:effectRef>
-              <a:fontRef idx="minor">
-                <a:schemeClr val="tx1"/>
-              </a:fontRef>
-            </p:style>
-          </p:cxnSp>
+            <p:txBody>
+              <a:bodyPr rtlCol="0" anchor="ctr"/>
+              <a:lstStyle/>
+              <a:p>
+                <a:pPr marL="0" marR="0" lvl="0" indent="0" algn="ctr" defTabSz="914400" rtl="0" eaLnBrk="1" fontAlgn="auto" latinLnBrk="0" hangingPunct="1">
+                  <a:lnSpc>
+                    <a:spcPct val="100000"/>
+                  </a:lnSpc>
+                  <a:spcBef>
+                    <a:spcPts val="0"/>
+                  </a:spcBef>
+                  <a:spcAft>
+                    <a:spcPts val="0"/>
+                  </a:spcAft>
+                  <a:buClrTx/>
+                  <a:buSzTx/>
+                  <a:buFontTx/>
+                  <a:buNone/>
+                  <a:tabLst/>
+                  <a:defRPr/>
+                </a:pPr>
+                <a:endParaRPr kumimoji="0" lang="en-US" sz="1800" b="0" i="0" u="none" strike="noStrike" kern="1200" cap="none" spc="0" normalizeH="0" baseline="0" noProof="0">
+                  <a:ln>
+                    <a:noFill/>
+                  </a:ln>
+                  <a:solidFill>
+                    <a:prstClr val="white"/>
+                  </a:solidFill>
+                  <a:effectLst/>
+                  <a:uLnTx/>
+                  <a:uFillTx/>
+                  <a:latin typeface="Calibri" panose="020F0502020204030204"/>
+                  <a:ea typeface="+mn-ea"/>
+                  <a:cs typeface="+mn-cs"/>
+                </a:endParaRPr>
+              </a:p>
+            </p:txBody>
+          </p:sp>
         </p:grpSp>
         <p:sp>
           <p:nvSpPr>
-            <p:cNvPr id="60" name="Rectangle 59">
+            <p:cNvPr id="10" name="Rectangle 9">
               <a:extLst>
                 <a:ext uri="{FF2B5EF4-FFF2-40B4-BE49-F238E27FC236}">
-                  <a16:creationId xmlns:a16="http://schemas.microsoft.com/office/drawing/2014/main" id="{888E50D2-56C6-BB74-B599-07675ABE0186}"/>
+                  <a16:creationId xmlns:a16="http://schemas.microsoft.com/office/drawing/2014/main" id="{B0E973B6-D61F-7076-59B0-F29433FE23D0}"/>
                 </a:ext>
               </a:extLst>
             </p:cNvPr>
@@ -14358,7 +13537,7 @@
           </p:nvSpPr>
           <p:spPr>
             <a:xfrm>
-              <a:off x="838200" y="1554957"/>
+              <a:off x="4386470" y="3690302"/>
               <a:ext cx="949960" cy="528320"/>
             </a:xfrm>
             <a:prstGeom prst="rect">
@@ -14430,23 +13609,23 @@
         </p:sp>
         <p:cxnSp>
           <p:nvCxnSpPr>
-            <p:cNvPr id="61" name="Straight Arrow Connector 60">
+            <p:cNvPr id="11" name="Straight Arrow Connector 10">
               <a:extLst>
                 <a:ext uri="{FF2B5EF4-FFF2-40B4-BE49-F238E27FC236}">
-                  <a16:creationId xmlns:a16="http://schemas.microsoft.com/office/drawing/2014/main" id="{C5E2D23A-6100-FDC3-9017-8ADA16815FBB}"/>
+                  <a16:creationId xmlns:a16="http://schemas.microsoft.com/office/drawing/2014/main" id="{5E557F69-D86A-BD0B-98C1-C40029C0506C}"/>
                 </a:ext>
               </a:extLst>
             </p:cNvPr>
             <p:cNvCxnSpPr>
               <a:cxnSpLocks/>
-              <a:stCxn id="60" idx="3"/>
-              <a:endCxn id="73" idx="1"/>
+              <a:stCxn id="10" idx="3"/>
+              <a:endCxn id="15" idx="1"/>
             </p:cNvCxnSpPr>
             <p:nvPr/>
           </p:nvCxnSpPr>
           <p:spPr>
             <a:xfrm>
-              <a:off x="1788160" y="1819117"/>
+              <a:off x="5336430" y="3954462"/>
               <a:ext cx="939800" cy="0"/>
             </a:xfrm>
             <a:prstGeom prst="straightConnector1">
@@ -14476,10 +13655,10 @@
         </p:cxnSp>
         <p:sp>
           <p:nvSpPr>
-            <p:cNvPr id="62" name="Rectangle 61">
+            <p:cNvPr id="12" name="Rectangle 11">
               <a:extLst>
                 <a:ext uri="{FF2B5EF4-FFF2-40B4-BE49-F238E27FC236}">
-                  <a16:creationId xmlns:a16="http://schemas.microsoft.com/office/drawing/2014/main" id="{BF48E3C2-AD1A-D748-8863-B7F786F0746C}"/>
+                  <a16:creationId xmlns:a16="http://schemas.microsoft.com/office/drawing/2014/main" id="{E938DC8F-FC80-3846-750F-4DBA32AB7FEA}"/>
                 </a:ext>
               </a:extLst>
             </p:cNvPr>
@@ -14488,7 +13667,7 @@
           </p:nvSpPr>
           <p:spPr>
             <a:xfrm>
-              <a:off x="7810500" y="2744789"/>
+              <a:off x="6081092" y="4880134"/>
               <a:ext cx="949960" cy="528320"/>
             </a:xfrm>
             <a:prstGeom prst="rect">
@@ -14557,23 +13736,22 @@
         </p:sp>
         <p:cxnSp>
           <p:nvCxnSpPr>
-            <p:cNvPr id="63" name="Straight Arrow Connector 62">
+            <p:cNvPr id="13" name="Straight Arrow Connector 12">
               <a:extLst>
                 <a:ext uri="{FF2B5EF4-FFF2-40B4-BE49-F238E27FC236}">
-                  <a16:creationId xmlns:a16="http://schemas.microsoft.com/office/drawing/2014/main" id="{BB2E53E3-A638-3464-7536-069D9474D6E8}"/>
+                  <a16:creationId xmlns:a16="http://schemas.microsoft.com/office/drawing/2014/main" id="{37CFC588-D7D8-99D7-AA20-CB28BE7D75ED}"/>
                 </a:ext>
               </a:extLst>
             </p:cNvPr>
             <p:cNvCxnSpPr>
               <a:cxnSpLocks/>
-              <a:stCxn id="62" idx="0"/>
-              <a:endCxn id="75" idx="2"/>
+              <a:stCxn id="12" idx="0"/>
             </p:cNvCxnSpPr>
             <p:nvPr/>
           </p:nvCxnSpPr>
           <p:spPr>
             <a:xfrm flipV="1">
-              <a:off x="8285480" y="2083277"/>
+              <a:off x="6556072" y="4218622"/>
               <a:ext cx="0" cy="661512"/>
             </a:xfrm>
             <a:prstGeom prst="straightConnector1">
@@ -14602,95 +13780,6 @@
           </p:style>
         </p:cxnSp>
       </p:grpSp>
-      <p:sp>
-        <p:nvSpPr>
-          <p:cNvPr id="3" name="TextBox 2">
-            <a:extLst>
-              <a:ext uri="{FF2B5EF4-FFF2-40B4-BE49-F238E27FC236}">
-                <a16:creationId xmlns:a16="http://schemas.microsoft.com/office/drawing/2014/main" id="{CAFE2770-2B20-0A18-3942-912DF47BEBB4}"/>
-              </a:ext>
-            </a:extLst>
-          </p:cNvPr>
-          <p:cNvSpPr txBox="1"/>
-          <p:nvPr/>
-        </p:nvSpPr>
-        <p:spPr>
-          <a:xfrm>
-            <a:off x="9412357" y="1888435"/>
-            <a:ext cx="2067339" cy="646331"/>
-          </a:xfrm>
-          <a:prstGeom prst="rect">
-            <a:avLst/>
-          </a:prstGeom>
-          <a:noFill/>
-          <a:ln>
-            <a:solidFill>
-              <a:srgbClr val="C00000"/>
-            </a:solidFill>
-          </a:ln>
-        </p:spPr>
-        <p:txBody>
-          <a:bodyPr wrap="square" rtlCol="0">
-            <a:spAutoFit/>
-          </a:bodyPr>
-          <a:lstStyle/>
-          <a:p>
-            <a:r>
-              <a:rPr lang="en-US" dirty="0">
-                <a:solidFill>
-                  <a:srgbClr val="C00000"/>
-                </a:solidFill>
-              </a:rPr>
-              <a:t>For when the queue becomes empty</a:t>
-            </a:r>
-          </a:p>
-        </p:txBody>
-      </p:sp>
-      <p:cxnSp>
-        <p:nvCxnSpPr>
-          <p:cNvPr id="4" name="Straight Arrow Connector 3">
-            <a:extLst>
-              <a:ext uri="{FF2B5EF4-FFF2-40B4-BE49-F238E27FC236}">
-                <a16:creationId xmlns:a16="http://schemas.microsoft.com/office/drawing/2014/main" id="{729367A4-6013-0EA8-3370-0F96D7E39F8F}"/>
-              </a:ext>
-            </a:extLst>
-          </p:cNvPr>
-          <p:cNvCxnSpPr>
-            <a:cxnSpLocks/>
-            <a:stCxn id="3" idx="1"/>
-          </p:cNvCxnSpPr>
-          <p:nvPr/>
-        </p:nvCxnSpPr>
-        <p:spPr>
-          <a:xfrm flipH="1">
-            <a:off x="8587409" y="2211601"/>
-            <a:ext cx="824948" cy="183729"/>
-          </a:xfrm>
-          <a:prstGeom prst="straightConnector1">
-            <a:avLst/>
-          </a:prstGeom>
-          <a:ln w="57150">
-            <a:solidFill>
-              <a:srgbClr val="C00000"/>
-            </a:solidFill>
-            <a:tailEnd type="triangle"/>
-          </a:ln>
-        </p:spPr>
-        <p:style>
-          <a:lnRef idx="1">
-            <a:schemeClr val="accent1"/>
-          </a:lnRef>
-          <a:fillRef idx="0">
-            <a:schemeClr val="accent1"/>
-          </a:fillRef>
-          <a:effectRef idx="0">
-            <a:schemeClr val="accent1"/>
-          </a:effectRef>
-          <a:fontRef idx="minor">
-            <a:schemeClr val="tx1"/>
-          </a:fontRef>
-        </p:style>
-      </p:cxnSp>
     </p:spTree>
     <p:extLst>
       <p:ext uri="{BB962C8B-B14F-4D97-AF65-F5344CB8AC3E}">
@@ -14943,7 +14032,7 @@
       </p:sp>
       <p:grpSp>
         <p:nvGrpSpPr>
-          <p:cNvPr id="5" name="Group 4">
+          <p:cNvPr id="5" name="Group 4" descr="We have the still-unchanged linked nodes representation of the queue, but additionally have a variable called &quot;first&quot; which contains the value contained in the node which front references.">
             <a:extLst>
               <a:ext uri="{FF2B5EF4-FFF2-40B4-BE49-F238E27FC236}">
                 <a16:creationId xmlns:a16="http://schemas.microsoft.com/office/drawing/2014/main" id="{C2A2672E-5C93-C629-DA70-1D637C9ECB65}"/>
@@ -15762,7 +14851,7 @@
       </p:sp>
       <p:grpSp>
         <p:nvGrpSpPr>
-          <p:cNvPr id="7" name="Group 6">
+          <p:cNvPr id="7" name="Group 6" descr="The front reference is reassigned to front.next. Because there is only 1 node in the queue, front becomes a null reference. The node that was previously referenced by front will not yet be garbage collected because back still references that node.">
             <a:extLst>
               <a:ext uri="{FF2B5EF4-FFF2-40B4-BE49-F238E27FC236}">
                 <a16:creationId xmlns:a16="http://schemas.microsoft.com/office/drawing/2014/main" id="{2F3EBE36-058F-A6B6-BBFD-FDC487B4E2A1}"/>
@@ -16651,7 +15740,7 @@
       </p:sp>
       <p:grpSp>
         <p:nvGrpSpPr>
-          <p:cNvPr id="7" name="Group 6">
+          <p:cNvPr id="7" name="Group 6" descr="Because front is a null reference, we set back to also be null. Now there are no longer any references to the node in the queue and therefore that node will be garbage collected.">
             <a:extLst>
               <a:ext uri="{FF2B5EF4-FFF2-40B4-BE49-F238E27FC236}">
                 <a16:creationId xmlns:a16="http://schemas.microsoft.com/office/drawing/2014/main" id="{46E1C1C9-D1CA-70B8-B0E7-17A8D235B8D6}"/>
@@ -17495,7 +16584,7 @@
       </p:sp>
       <p:grpSp>
         <p:nvGrpSpPr>
-          <p:cNvPr id="10" name="Group 9">
+          <p:cNvPr id="10" name="Group 9" descr="The final representation of the (now empty) queue is simply the front and back references, both of which are null. The value stored in the variable &quot;first&quot; is now returned.">
             <a:extLst>
               <a:ext uri="{FF2B5EF4-FFF2-40B4-BE49-F238E27FC236}">
                 <a16:creationId xmlns:a16="http://schemas.microsoft.com/office/drawing/2014/main" id="{9E531AC7-7E5B-94B1-8F89-14573AAE9BBE}"/>
@@ -17903,2325 +16992,6 @@
     <p:extLst>
       <p:ext uri="{BB962C8B-B14F-4D97-AF65-F5344CB8AC3E}">
         <p14:creationId xmlns:p14="http://schemas.microsoft.com/office/powerpoint/2010/main" val="3803236537"/>
-      </p:ext>
-    </p:extLst>
-  </p:cSld>
-  <p:clrMapOvr>
-    <a:masterClrMapping/>
-  </p:clrMapOvr>
-</p:sld>
-</file>
-
-<file path=ppt/slides/slide18.xml><?xml version="1.0" encoding="utf-8"?>
-<p:sld xmlns:a="http://schemas.openxmlformats.org/drawingml/2006/main" xmlns:r="http://schemas.openxmlformats.org/officeDocument/2006/relationships" xmlns:p="http://schemas.openxmlformats.org/presentationml/2006/main">
-  <p:cSld>
-    <p:spTree>
-      <p:nvGrpSpPr>
-        <p:cNvPr id="1" name="">
-          <a:extLst>
-            <a:ext uri="{FF2B5EF4-FFF2-40B4-BE49-F238E27FC236}">
-              <a16:creationId xmlns:a16="http://schemas.microsoft.com/office/drawing/2014/main" id="{2729C32A-02EF-2064-A810-AF82479EB2E9}"/>
-            </a:ext>
-          </a:extLst>
-        </p:cNvPr>
-        <p:cNvGrpSpPr/>
-        <p:nvPr/>
-      </p:nvGrpSpPr>
-      <p:grpSpPr>
-        <a:xfrm>
-          <a:off x="0" y="0"/>
-          <a:ext cx="0" cy="0"/>
-          <a:chOff x="0" y="0"/>
-          <a:chExt cx="0" cy="0"/>
-        </a:xfrm>
-      </p:grpSpPr>
-      <p:sp>
-        <p:nvSpPr>
-          <p:cNvPr id="2" name="Title 1">
-            <a:extLst>
-              <a:ext uri="{FF2B5EF4-FFF2-40B4-BE49-F238E27FC236}">
-                <a16:creationId xmlns:a16="http://schemas.microsoft.com/office/drawing/2014/main" id="{9A0E00C6-8505-2867-E7F2-ED60E8E27166}"/>
-              </a:ext>
-            </a:extLst>
-          </p:cNvPr>
-          <p:cNvSpPr>
-            <a:spLocks noGrp="1"/>
-          </p:cNvSpPr>
-          <p:nvPr>
-            <p:ph type="title"/>
-          </p:nvPr>
-        </p:nvSpPr>
-        <p:spPr/>
-        <p:txBody>
-          <a:bodyPr/>
-          <a:lstStyle/>
-          <a:p>
-            <a:r>
-              <a:rPr lang="en-US" dirty="0"/>
-              <a:t>Linked Queue Data Structure</a:t>
-            </a:r>
-          </a:p>
-        </p:txBody>
-      </p:sp>
-      <p:sp>
-        <p:nvSpPr>
-          <p:cNvPr id="3" name="Content Placeholder 2">
-            <a:extLst>
-              <a:ext uri="{FF2B5EF4-FFF2-40B4-BE49-F238E27FC236}">
-                <a16:creationId xmlns:a16="http://schemas.microsoft.com/office/drawing/2014/main" id="{417CADBB-28B2-2678-04B8-F78DB9E82DC1}"/>
-              </a:ext>
-            </a:extLst>
-          </p:cNvPr>
-          <p:cNvSpPr>
-            <a:spLocks noGrp="1"/>
-          </p:cNvSpPr>
-          <p:nvPr>
-            <p:ph idx="1"/>
-          </p:nvPr>
-        </p:nvSpPr>
-        <p:spPr>
-          <a:xfrm>
-            <a:off x="198120" y="2313305"/>
-            <a:ext cx="7076440" cy="4351338"/>
-          </a:xfrm>
-          <a:ln>
-            <a:noFill/>
-          </a:ln>
-        </p:spPr>
-        <p:txBody>
-          <a:bodyPr>
-            <a:normAutofit fontScale="92500" lnSpcReduction="20000"/>
-          </a:bodyPr>
-          <a:lstStyle/>
-          <a:p>
-            <a:r>
-              <a:rPr lang="en-US" dirty="0"/>
-              <a:t>Queue represented as a “chain” of items</a:t>
-            </a:r>
-          </a:p>
-          <a:p>
-            <a:pPr lvl="1"/>
-            <a:r>
-              <a:rPr lang="en-US" dirty="0">
-                <a:solidFill>
-                  <a:srgbClr val="0070C0"/>
-                </a:solidFill>
-              </a:rPr>
-              <a:t>A “front” reference to the oldest item</a:t>
-            </a:r>
-          </a:p>
-          <a:p>
-            <a:pPr lvl="1"/>
-            <a:r>
-              <a:rPr lang="en-US" dirty="0">
-                <a:solidFill>
-                  <a:schemeClr val="accent2">
-                    <a:lumMod val="75000"/>
-                  </a:schemeClr>
-                </a:solidFill>
-              </a:rPr>
-              <a:t>A “back” reference to the most recent item</a:t>
-            </a:r>
-          </a:p>
-          <a:p>
-            <a:pPr lvl="1"/>
-            <a:r>
-              <a:rPr lang="en-US" dirty="0">
-                <a:solidFill>
-                  <a:srgbClr val="FF0000"/>
-                </a:solidFill>
-              </a:rPr>
-              <a:t>Each Node references the item enqueued after it</a:t>
-            </a:r>
-          </a:p>
-          <a:p>
-            <a:r>
-              <a:rPr lang="en-US" dirty="0"/>
-              <a:t>enqueue Procedure:</a:t>
-            </a:r>
-          </a:p>
-          <a:p>
-            <a:pPr marL="457200" lvl="1" indent="0">
-              <a:buNone/>
-            </a:pPr>
-            <a:endParaRPr lang="en-US" dirty="0"/>
-          </a:p>
-          <a:p>
-            <a:pPr marL="457200" lvl="1" indent="0">
-              <a:buNone/>
-            </a:pPr>
-            <a:endParaRPr lang="en-US" dirty="0"/>
-          </a:p>
-          <a:p>
-            <a:pPr lvl="1"/>
-            <a:endParaRPr lang="en-US" dirty="0"/>
-          </a:p>
-          <a:p>
-            <a:r>
-              <a:rPr lang="en-US" dirty="0"/>
-              <a:t>dequeue Procedure:</a:t>
-            </a:r>
-          </a:p>
-          <a:p>
-            <a:endParaRPr lang="en-US" dirty="0"/>
-          </a:p>
-          <a:p>
-            <a:endParaRPr lang="en-US" dirty="0"/>
-          </a:p>
-          <a:p>
-            <a:r>
-              <a:rPr lang="en-US" dirty="0" err="1"/>
-              <a:t>isEmpty</a:t>
-            </a:r>
-            <a:r>
-              <a:rPr lang="en-US" dirty="0"/>
-              <a:t> Procedure:</a:t>
-            </a:r>
-          </a:p>
-        </p:txBody>
-      </p:sp>
-      <p:grpSp>
-        <p:nvGrpSpPr>
-          <p:cNvPr id="19" name="Group 18" descr="An illustration of a linked queue data structure. The elements of the list are contained in node objects. Each node object has a reference to another node object to establish a sequence of elements. There is also a reference called &quot;front&quot; that points to the first node in the queue, and a reference called &quot;back&quot; that points to the last node in the queue.">
-            <a:extLst>
-              <a:ext uri="{FF2B5EF4-FFF2-40B4-BE49-F238E27FC236}">
-                <a16:creationId xmlns:a16="http://schemas.microsoft.com/office/drawing/2014/main" id="{6C777B10-439D-3A14-8CC7-4E25718B2DBC}"/>
-              </a:ext>
-            </a:extLst>
-          </p:cNvPr>
-          <p:cNvGrpSpPr/>
-          <p:nvPr/>
-        </p:nvGrpSpPr>
-        <p:grpSpPr>
-          <a:xfrm>
-            <a:off x="838200" y="1554957"/>
-            <a:ext cx="8239760" cy="1718152"/>
-            <a:chOff x="838200" y="1554957"/>
-            <a:chExt cx="8239760" cy="1718152"/>
-          </a:xfrm>
-        </p:grpSpPr>
-        <p:grpSp>
-          <p:nvGrpSpPr>
-            <p:cNvPr id="31" name="Group 30">
-              <a:extLst>
-                <a:ext uri="{FF2B5EF4-FFF2-40B4-BE49-F238E27FC236}">
-                  <a16:creationId xmlns:a16="http://schemas.microsoft.com/office/drawing/2014/main" id="{97CD40D6-4A1D-1C6C-0BF0-221BE4DB7D68}"/>
-                </a:ext>
-              </a:extLst>
-            </p:cNvPr>
-            <p:cNvGrpSpPr/>
-            <p:nvPr/>
-          </p:nvGrpSpPr>
-          <p:grpSpPr>
-            <a:xfrm>
-              <a:off x="2727960" y="1554957"/>
-              <a:ext cx="6350000" cy="528320"/>
-              <a:chOff x="2727960" y="1554957"/>
-              <a:chExt cx="6350000" cy="528320"/>
-            </a:xfrm>
-          </p:grpSpPr>
-          <p:grpSp>
-            <p:nvGrpSpPr>
-              <p:cNvPr id="6" name="Group 5">
-                <a:extLst>
-                  <a:ext uri="{FF2B5EF4-FFF2-40B4-BE49-F238E27FC236}">
-                    <a16:creationId xmlns:a16="http://schemas.microsoft.com/office/drawing/2014/main" id="{11FB6B1E-9B45-A029-BAF5-AA538C630854}"/>
-                  </a:ext>
-                </a:extLst>
-              </p:cNvPr>
-              <p:cNvGrpSpPr/>
-              <p:nvPr/>
-            </p:nvGrpSpPr>
-            <p:grpSpPr>
-              <a:xfrm>
-                <a:off x="4053840" y="1554957"/>
-                <a:ext cx="1056640" cy="528320"/>
-                <a:chOff x="8117840" y="4104640"/>
-                <a:chExt cx="1056640" cy="528320"/>
-              </a:xfrm>
-            </p:grpSpPr>
-            <p:sp>
-              <p:nvSpPr>
-                <p:cNvPr id="4" name="Rectangle 3">
-                  <a:extLst>
-                    <a:ext uri="{FF2B5EF4-FFF2-40B4-BE49-F238E27FC236}">
-                      <a16:creationId xmlns:a16="http://schemas.microsoft.com/office/drawing/2014/main" id="{2EA071EB-4D9E-1B09-08BD-FEECBB11ABAF}"/>
-                    </a:ext>
-                  </a:extLst>
-                </p:cNvPr>
-                <p:cNvSpPr/>
-                <p:nvPr/>
-              </p:nvSpPr>
-              <p:spPr>
-                <a:xfrm>
-                  <a:off x="8117840" y="4104640"/>
-                  <a:ext cx="528320" cy="528320"/>
-                </a:xfrm>
-                <a:prstGeom prst="rect">
-                  <a:avLst/>
-                </a:prstGeom>
-                <a:solidFill>
-                  <a:schemeClr val="accent4">
-                    <a:lumMod val="40000"/>
-                    <a:lumOff val="60000"/>
-                  </a:schemeClr>
-                </a:solidFill>
-              </p:spPr>
-              <p:style>
-                <a:lnRef idx="2">
-                  <a:schemeClr val="accent1">
-                    <a:shade val="15000"/>
-                  </a:schemeClr>
-                </a:lnRef>
-                <a:fillRef idx="1">
-                  <a:schemeClr val="accent1"/>
-                </a:fillRef>
-                <a:effectRef idx="0">
-                  <a:schemeClr val="accent1"/>
-                </a:effectRef>
-                <a:fontRef idx="minor">
-                  <a:schemeClr val="lt1"/>
-                </a:fontRef>
-              </p:style>
-              <p:txBody>
-                <a:bodyPr rtlCol="0" anchor="ctr"/>
-                <a:lstStyle/>
-                <a:p>
-                  <a:pPr marL="0" marR="0" lvl="0" indent="0" algn="ctr" defTabSz="914400" rtl="0" eaLnBrk="1" fontAlgn="auto" latinLnBrk="0" hangingPunct="1">
-                    <a:lnSpc>
-                      <a:spcPct val="100000"/>
-                    </a:lnSpc>
-                    <a:spcBef>
-                      <a:spcPts val="0"/>
-                    </a:spcBef>
-                    <a:spcAft>
-                      <a:spcPts val="0"/>
-                    </a:spcAft>
-                    <a:buClrTx/>
-                    <a:buSzTx/>
-                    <a:buFontTx/>
-                    <a:buNone/>
-                    <a:tabLst/>
-                    <a:defRPr/>
-                  </a:pPr>
-                  <a:r>
-                    <a:rPr kumimoji="0" lang="en-US" sz="1800" b="0" i="0" u="none" strike="noStrike" kern="1200" cap="none" spc="0" normalizeH="0" baseline="0" noProof="0" dirty="0">
-                      <a:ln>
-                        <a:noFill/>
-                      </a:ln>
-                      <a:solidFill>
-                        <a:prstClr val="black"/>
-                      </a:solidFill>
-                      <a:effectLst/>
-                      <a:uLnTx/>
-                      <a:uFillTx/>
-                      <a:latin typeface="Calibri" panose="020F0502020204030204"/>
-                      <a:ea typeface="+mn-ea"/>
-                      <a:cs typeface="+mn-cs"/>
-                    </a:rPr>
-                    <a:t>8</a:t>
-                  </a:r>
-                </a:p>
-              </p:txBody>
-            </p:sp>
-            <p:sp>
-              <p:nvSpPr>
-                <p:cNvPr id="5" name="Rectangle 4">
-                  <a:extLst>
-                    <a:ext uri="{FF2B5EF4-FFF2-40B4-BE49-F238E27FC236}">
-                      <a16:creationId xmlns:a16="http://schemas.microsoft.com/office/drawing/2014/main" id="{5691EF57-BA59-B75D-6B8C-BE0B20EC03FA}"/>
-                    </a:ext>
-                  </a:extLst>
-                </p:cNvPr>
-                <p:cNvSpPr/>
-                <p:nvPr/>
-              </p:nvSpPr>
-              <p:spPr>
-                <a:xfrm>
-                  <a:off x="8646160" y="4104640"/>
-                  <a:ext cx="528320" cy="528320"/>
-                </a:xfrm>
-                <a:prstGeom prst="rect">
-                  <a:avLst/>
-                </a:prstGeom>
-                <a:solidFill>
-                  <a:schemeClr val="bg1"/>
-                </a:solidFill>
-              </p:spPr>
-              <p:style>
-                <a:lnRef idx="2">
-                  <a:schemeClr val="accent1">
-                    <a:shade val="15000"/>
-                  </a:schemeClr>
-                </a:lnRef>
-                <a:fillRef idx="1">
-                  <a:schemeClr val="accent1"/>
-                </a:fillRef>
-                <a:effectRef idx="0">
-                  <a:schemeClr val="accent1"/>
-                </a:effectRef>
-                <a:fontRef idx="minor">
-                  <a:schemeClr val="lt1"/>
-                </a:fontRef>
-              </p:style>
-              <p:txBody>
-                <a:bodyPr rtlCol="0" anchor="ctr"/>
-                <a:lstStyle/>
-                <a:p>
-                  <a:pPr marL="0" marR="0" lvl="0" indent="0" algn="ctr" defTabSz="914400" rtl="0" eaLnBrk="1" fontAlgn="auto" latinLnBrk="0" hangingPunct="1">
-                    <a:lnSpc>
-                      <a:spcPct val="100000"/>
-                    </a:lnSpc>
-                    <a:spcBef>
-                      <a:spcPts val="0"/>
-                    </a:spcBef>
-                    <a:spcAft>
-                      <a:spcPts val="0"/>
-                    </a:spcAft>
-                    <a:buClrTx/>
-                    <a:buSzTx/>
-                    <a:buFontTx/>
-                    <a:buNone/>
-                    <a:tabLst/>
-                    <a:defRPr/>
-                  </a:pPr>
-                  <a:endParaRPr kumimoji="0" lang="en-US" sz="1800" b="0" i="0" u="none" strike="noStrike" kern="1200" cap="none" spc="0" normalizeH="0" baseline="0" noProof="0">
-                    <a:ln>
-                      <a:noFill/>
-                    </a:ln>
-                    <a:solidFill>
-                      <a:prstClr val="white"/>
-                    </a:solidFill>
-                    <a:effectLst/>
-                    <a:uLnTx/>
-                    <a:uFillTx/>
-                    <a:latin typeface="Calibri" panose="020F0502020204030204"/>
-                    <a:ea typeface="+mn-ea"/>
-                    <a:cs typeface="+mn-cs"/>
-                  </a:endParaRPr>
-                </a:p>
-              </p:txBody>
-            </p:sp>
-          </p:grpSp>
-          <p:grpSp>
-            <p:nvGrpSpPr>
-              <p:cNvPr id="7" name="Group 6">
-                <a:extLst>
-                  <a:ext uri="{FF2B5EF4-FFF2-40B4-BE49-F238E27FC236}">
-                    <a16:creationId xmlns:a16="http://schemas.microsoft.com/office/drawing/2014/main" id="{08559DF6-62DA-E1DD-4F27-9DFE614F72F3}"/>
-                  </a:ext>
-                </a:extLst>
-              </p:cNvPr>
-              <p:cNvGrpSpPr/>
-              <p:nvPr/>
-            </p:nvGrpSpPr>
-            <p:grpSpPr>
-              <a:xfrm>
-                <a:off x="5374640" y="1554957"/>
-                <a:ext cx="1056640" cy="528320"/>
-                <a:chOff x="8117840" y="4104640"/>
-                <a:chExt cx="1056640" cy="528320"/>
-              </a:xfrm>
-            </p:grpSpPr>
-            <p:sp>
-              <p:nvSpPr>
-                <p:cNvPr id="8" name="Rectangle 7">
-                  <a:extLst>
-                    <a:ext uri="{FF2B5EF4-FFF2-40B4-BE49-F238E27FC236}">
-                      <a16:creationId xmlns:a16="http://schemas.microsoft.com/office/drawing/2014/main" id="{A8503EE6-4136-CF94-DEF9-0F02DE06293D}"/>
-                    </a:ext>
-                  </a:extLst>
-                </p:cNvPr>
-                <p:cNvSpPr/>
-                <p:nvPr/>
-              </p:nvSpPr>
-              <p:spPr>
-                <a:xfrm>
-                  <a:off x="8117840" y="4104640"/>
-                  <a:ext cx="528320" cy="528320"/>
-                </a:xfrm>
-                <a:prstGeom prst="rect">
-                  <a:avLst/>
-                </a:prstGeom>
-                <a:solidFill>
-                  <a:schemeClr val="accent4">
-                    <a:lumMod val="40000"/>
-                    <a:lumOff val="60000"/>
-                  </a:schemeClr>
-                </a:solidFill>
-              </p:spPr>
-              <p:style>
-                <a:lnRef idx="2">
-                  <a:schemeClr val="accent1">
-                    <a:shade val="15000"/>
-                  </a:schemeClr>
-                </a:lnRef>
-                <a:fillRef idx="1">
-                  <a:schemeClr val="accent1"/>
-                </a:fillRef>
-                <a:effectRef idx="0">
-                  <a:schemeClr val="accent1"/>
-                </a:effectRef>
-                <a:fontRef idx="minor">
-                  <a:schemeClr val="lt1"/>
-                </a:fontRef>
-              </p:style>
-              <p:txBody>
-                <a:bodyPr rtlCol="0" anchor="ctr"/>
-                <a:lstStyle/>
-                <a:p>
-                  <a:pPr marL="0" marR="0" lvl="0" indent="0" algn="ctr" defTabSz="914400" rtl="0" eaLnBrk="1" fontAlgn="auto" latinLnBrk="0" hangingPunct="1">
-                    <a:lnSpc>
-                      <a:spcPct val="100000"/>
-                    </a:lnSpc>
-                    <a:spcBef>
-                      <a:spcPts val="0"/>
-                    </a:spcBef>
-                    <a:spcAft>
-                      <a:spcPts val="0"/>
-                    </a:spcAft>
-                    <a:buClrTx/>
-                    <a:buSzTx/>
-                    <a:buFontTx/>
-                    <a:buNone/>
-                    <a:tabLst/>
-                    <a:defRPr/>
-                  </a:pPr>
-                  <a:r>
-                    <a:rPr kumimoji="0" lang="en-US" sz="1800" b="0" i="0" u="none" strike="noStrike" kern="1200" cap="none" spc="0" normalizeH="0" baseline="0" noProof="0" dirty="0">
-                      <a:ln>
-                        <a:noFill/>
-                      </a:ln>
-                      <a:solidFill>
-                        <a:prstClr val="black"/>
-                      </a:solidFill>
-                      <a:effectLst/>
-                      <a:uLnTx/>
-                      <a:uFillTx/>
-                      <a:latin typeface="Calibri" panose="020F0502020204030204"/>
-                      <a:ea typeface="+mn-ea"/>
-                      <a:cs typeface="+mn-cs"/>
-                    </a:rPr>
-                    <a:t>3</a:t>
-                  </a:r>
-                </a:p>
-              </p:txBody>
-            </p:sp>
-            <p:sp>
-              <p:nvSpPr>
-                <p:cNvPr id="9" name="Rectangle 8">
-                  <a:extLst>
-                    <a:ext uri="{FF2B5EF4-FFF2-40B4-BE49-F238E27FC236}">
-                      <a16:creationId xmlns:a16="http://schemas.microsoft.com/office/drawing/2014/main" id="{A7C32C04-1155-29B5-302A-3D6F71CB334B}"/>
-                    </a:ext>
-                  </a:extLst>
-                </p:cNvPr>
-                <p:cNvSpPr/>
-                <p:nvPr/>
-              </p:nvSpPr>
-              <p:spPr>
-                <a:xfrm>
-                  <a:off x="8646160" y="4104640"/>
-                  <a:ext cx="528320" cy="528320"/>
-                </a:xfrm>
-                <a:prstGeom prst="rect">
-                  <a:avLst/>
-                </a:prstGeom>
-                <a:solidFill>
-                  <a:schemeClr val="bg1"/>
-                </a:solidFill>
-              </p:spPr>
-              <p:style>
-                <a:lnRef idx="2">
-                  <a:schemeClr val="accent1">
-                    <a:shade val="15000"/>
-                  </a:schemeClr>
-                </a:lnRef>
-                <a:fillRef idx="1">
-                  <a:schemeClr val="accent1"/>
-                </a:fillRef>
-                <a:effectRef idx="0">
-                  <a:schemeClr val="accent1"/>
-                </a:effectRef>
-                <a:fontRef idx="minor">
-                  <a:schemeClr val="lt1"/>
-                </a:fontRef>
-              </p:style>
-              <p:txBody>
-                <a:bodyPr rtlCol="0" anchor="ctr"/>
-                <a:lstStyle/>
-                <a:p>
-                  <a:pPr marL="0" marR="0" lvl="0" indent="0" algn="ctr" defTabSz="914400" rtl="0" eaLnBrk="1" fontAlgn="auto" latinLnBrk="0" hangingPunct="1">
-                    <a:lnSpc>
-                      <a:spcPct val="100000"/>
-                    </a:lnSpc>
-                    <a:spcBef>
-                      <a:spcPts val="0"/>
-                    </a:spcBef>
-                    <a:spcAft>
-                      <a:spcPts val="0"/>
-                    </a:spcAft>
-                    <a:buClrTx/>
-                    <a:buSzTx/>
-                    <a:buFontTx/>
-                    <a:buNone/>
-                    <a:tabLst/>
-                    <a:defRPr/>
-                  </a:pPr>
-                  <a:endParaRPr kumimoji="0" lang="en-US" sz="1800" b="0" i="0" u="none" strike="noStrike" kern="1200" cap="none" spc="0" normalizeH="0" baseline="0" noProof="0">
-                    <a:ln>
-                      <a:noFill/>
-                    </a:ln>
-                    <a:solidFill>
-                      <a:prstClr val="white"/>
-                    </a:solidFill>
-                    <a:effectLst/>
-                    <a:uLnTx/>
-                    <a:uFillTx/>
-                    <a:latin typeface="Calibri" panose="020F0502020204030204"/>
-                    <a:ea typeface="+mn-ea"/>
-                    <a:cs typeface="+mn-cs"/>
-                  </a:endParaRPr>
-                </a:p>
-              </p:txBody>
-            </p:sp>
-          </p:grpSp>
-          <p:grpSp>
-            <p:nvGrpSpPr>
-              <p:cNvPr id="10" name="Group 9">
-                <a:extLst>
-                  <a:ext uri="{FF2B5EF4-FFF2-40B4-BE49-F238E27FC236}">
-                    <a16:creationId xmlns:a16="http://schemas.microsoft.com/office/drawing/2014/main" id="{679ED3CB-00BE-4DFF-6828-96640D36FF1A}"/>
-                  </a:ext>
-                </a:extLst>
-              </p:cNvPr>
-              <p:cNvGrpSpPr/>
-              <p:nvPr/>
-            </p:nvGrpSpPr>
-            <p:grpSpPr>
-              <a:xfrm>
-                <a:off x="6700520" y="1554957"/>
-                <a:ext cx="1056640" cy="528320"/>
-                <a:chOff x="8117840" y="4104640"/>
-                <a:chExt cx="1056640" cy="528320"/>
-              </a:xfrm>
-            </p:grpSpPr>
-            <p:sp>
-              <p:nvSpPr>
-                <p:cNvPr id="11" name="Rectangle 10">
-                  <a:extLst>
-                    <a:ext uri="{FF2B5EF4-FFF2-40B4-BE49-F238E27FC236}">
-                      <a16:creationId xmlns:a16="http://schemas.microsoft.com/office/drawing/2014/main" id="{31DD5405-40EF-6674-D7C0-C6FE0D1BE12D}"/>
-                    </a:ext>
-                  </a:extLst>
-                </p:cNvPr>
-                <p:cNvSpPr/>
-                <p:nvPr/>
-              </p:nvSpPr>
-              <p:spPr>
-                <a:xfrm>
-                  <a:off x="8117840" y="4104640"/>
-                  <a:ext cx="528320" cy="528320"/>
-                </a:xfrm>
-                <a:prstGeom prst="rect">
-                  <a:avLst/>
-                </a:prstGeom>
-                <a:solidFill>
-                  <a:schemeClr val="accent4">
-                    <a:lumMod val="40000"/>
-                    <a:lumOff val="60000"/>
-                  </a:schemeClr>
-                </a:solidFill>
-              </p:spPr>
-              <p:style>
-                <a:lnRef idx="2">
-                  <a:schemeClr val="accent1">
-                    <a:shade val="15000"/>
-                  </a:schemeClr>
-                </a:lnRef>
-                <a:fillRef idx="1">
-                  <a:schemeClr val="accent1"/>
-                </a:fillRef>
-                <a:effectRef idx="0">
-                  <a:schemeClr val="accent1"/>
-                </a:effectRef>
-                <a:fontRef idx="minor">
-                  <a:schemeClr val="lt1"/>
-                </a:fontRef>
-              </p:style>
-              <p:txBody>
-                <a:bodyPr rtlCol="0" anchor="ctr"/>
-                <a:lstStyle/>
-                <a:p>
-                  <a:pPr marL="0" marR="0" lvl="0" indent="0" algn="ctr" defTabSz="914400" rtl="0" eaLnBrk="1" fontAlgn="auto" latinLnBrk="0" hangingPunct="1">
-                    <a:lnSpc>
-                      <a:spcPct val="100000"/>
-                    </a:lnSpc>
-                    <a:spcBef>
-                      <a:spcPts val="0"/>
-                    </a:spcBef>
-                    <a:spcAft>
-                      <a:spcPts val="0"/>
-                    </a:spcAft>
-                    <a:buClrTx/>
-                    <a:buSzTx/>
-                    <a:buFontTx/>
-                    <a:buNone/>
-                    <a:tabLst/>
-                    <a:defRPr/>
-                  </a:pPr>
-                  <a:r>
-                    <a:rPr kumimoji="0" lang="en-US" sz="1800" b="0" i="0" u="none" strike="noStrike" kern="1200" cap="none" spc="0" normalizeH="0" baseline="0" noProof="0" dirty="0">
-                      <a:ln>
-                        <a:noFill/>
-                      </a:ln>
-                      <a:solidFill>
-                        <a:prstClr val="black"/>
-                      </a:solidFill>
-                      <a:effectLst/>
-                      <a:uLnTx/>
-                      <a:uFillTx/>
-                      <a:latin typeface="Calibri" panose="020F0502020204030204"/>
-                      <a:ea typeface="+mn-ea"/>
-                      <a:cs typeface="+mn-cs"/>
-                    </a:rPr>
-                    <a:t>4</a:t>
-                  </a:r>
-                </a:p>
-              </p:txBody>
-            </p:sp>
-            <p:sp>
-              <p:nvSpPr>
-                <p:cNvPr id="12" name="Rectangle 11">
-                  <a:extLst>
-                    <a:ext uri="{FF2B5EF4-FFF2-40B4-BE49-F238E27FC236}">
-                      <a16:creationId xmlns:a16="http://schemas.microsoft.com/office/drawing/2014/main" id="{D84D70F7-D07C-68C7-7C00-5317F8E79B42}"/>
-                    </a:ext>
-                  </a:extLst>
-                </p:cNvPr>
-                <p:cNvSpPr/>
-                <p:nvPr/>
-              </p:nvSpPr>
-              <p:spPr>
-                <a:xfrm>
-                  <a:off x="8646160" y="4104640"/>
-                  <a:ext cx="528320" cy="528320"/>
-                </a:xfrm>
-                <a:prstGeom prst="rect">
-                  <a:avLst/>
-                </a:prstGeom>
-                <a:solidFill>
-                  <a:schemeClr val="bg1"/>
-                </a:solidFill>
-              </p:spPr>
-              <p:style>
-                <a:lnRef idx="2">
-                  <a:schemeClr val="accent1">
-                    <a:shade val="15000"/>
-                  </a:schemeClr>
-                </a:lnRef>
-                <a:fillRef idx="1">
-                  <a:schemeClr val="accent1"/>
-                </a:fillRef>
-                <a:effectRef idx="0">
-                  <a:schemeClr val="accent1"/>
-                </a:effectRef>
-                <a:fontRef idx="minor">
-                  <a:schemeClr val="lt1"/>
-                </a:fontRef>
-              </p:style>
-              <p:txBody>
-                <a:bodyPr rtlCol="0" anchor="ctr"/>
-                <a:lstStyle/>
-                <a:p>
-                  <a:pPr marL="0" marR="0" lvl="0" indent="0" algn="ctr" defTabSz="914400" rtl="0" eaLnBrk="1" fontAlgn="auto" latinLnBrk="0" hangingPunct="1">
-                    <a:lnSpc>
-                      <a:spcPct val="100000"/>
-                    </a:lnSpc>
-                    <a:spcBef>
-                      <a:spcPts val="0"/>
-                    </a:spcBef>
-                    <a:spcAft>
-                      <a:spcPts val="0"/>
-                    </a:spcAft>
-                    <a:buClrTx/>
-                    <a:buSzTx/>
-                    <a:buFontTx/>
-                    <a:buNone/>
-                    <a:tabLst/>
-                    <a:defRPr/>
-                  </a:pPr>
-                  <a:endParaRPr kumimoji="0" lang="en-US" sz="1800" b="0" i="0" u="none" strike="noStrike" kern="1200" cap="none" spc="0" normalizeH="0" baseline="0" noProof="0">
-                    <a:ln>
-                      <a:noFill/>
-                    </a:ln>
-                    <a:solidFill>
-                      <a:prstClr val="white"/>
-                    </a:solidFill>
-                    <a:effectLst/>
-                    <a:uLnTx/>
-                    <a:uFillTx/>
-                    <a:latin typeface="Calibri" panose="020F0502020204030204"/>
-                    <a:ea typeface="+mn-ea"/>
-                    <a:cs typeface="+mn-cs"/>
-                  </a:endParaRPr>
-                </a:p>
-              </p:txBody>
-            </p:sp>
-          </p:grpSp>
-          <p:grpSp>
-            <p:nvGrpSpPr>
-              <p:cNvPr id="13" name="Group 12">
-                <a:extLst>
-                  <a:ext uri="{FF2B5EF4-FFF2-40B4-BE49-F238E27FC236}">
-                    <a16:creationId xmlns:a16="http://schemas.microsoft.com/office/drawing/2014/main" id="{8F8009E1-AF06-DDE1-EF77-F21199EFF4B0}"/>
-                  </a:ext>
-                </a:extLst>
-              </p:cNvPr>
-              <p:cNvGrpSpPr/>
-              <p:nvPr/>
-            </p:nvGrpSpPr>
-            <p:grpSpPr>
-              <a:xfrm>
-                <a:off x="8021320" y="1554957"/>
-                <a:ext cx="1056640" cy="528320"/>
-                <a:chOff x="8117840" y="4104640"/>
-                <a:chExt cx="1056640" cy="528320"/>
-              </a:xfrm>
-            </p:grpSpPr>
-            <p:sp>
-              <p:nvSpPr>
-                <p:cNvPr id="14" name="Rectangle 13">
-                  <a:extLst>
-                    <a:ext uri="{FF2B5EF4-FFF2-40B4-BE49-F238E27FC236}">
-                      <a16:creationId xmlns:a16="http://schemas.microsoft.com/office/drawing/2014/main" id="{E36B11CF-E877-A4DD-0554-01606FCA8686}"/>
-                    </a:ext>
-                  </a:extLst>
-                </p:cNvPr>
-                <p:cNvSpPr/>
-                <p:nvPr/>
-              </p:nvSpPr>
-              <p:spPr>
-                <a:xfrm>
-                  <a:off x="8117840" y="4104640"/>
-                  <a:ext cx="528320" cy="528320"/>
-                </a:xfrm>
-                <a:prstGeom prst="rect">
-                  <a:avLst/>
-                </a:prstGeom>
-                <a:solidFill>
-                  <a:schemeClr val="accent4">
-                    <a:lumMod val="40000"/>
-                    <a:lumOff val="60000"/>
-                  </a:schemeClr>
-                </a:solidFill>
-              </p:spPr>
-              <p:style>
-                <a:lnRef idx="2">
-                  <a:schemeClr val="accent1">
-                    <a:shade val="15000"/>
-                  </a:schemeClr>
-                </a:lnRef>
-                <a:fillRef idx="1">
-                  <a:schemeClr val="accent1"/>
-                </a:fillRef>
-                <a:effectRef idx="0">
-                  <a:schemeClr val="accent1"/>
-                </a:effectRef>
-                <a:fontRef idx="minor">
-                  <a:schemeClr val="lt1"/>
-                </a:fontRef>
-              </p:style>
-              <p:txBody>
-                <a:bodyPr rtlCol="0" anchor="ctr"/>
-                <a:lstStyle/>
-                <a:p>
-                  <a:pPr marL="0" marR="0" lvl="0" indent="0" algn="ctr" defTabSz="914400" rtl="0" eaLnBrk="1" fontAlgn="auto" latinLnBrk="0" hangingPunct="1">
-                    <a:lnSpc>
-                      <a:spcPct val="100000"/>
-                    </a:lnSpc>
-                    <a:spcBef>
-                      <a:spcPts val="0"/>
-                    </a:spcBef>
-                    <a:spcAft>
-                      <a:spcPts val="0"/>
-                    </a:spcAft>
-                    <a:buClrTx/>
-                    <a:buSzTx/>
-                    <a:buFontTx/>
-                    <a:buNone/>
-                    <a:tabLst/>
-                    <a:defRPr/>
-                  </a:pPr>
-                  <a:r>
-                    <a:rPr kumimoji="0" lang="en-US" sz="1800" b="0" i="0" u="none" strike="noStrike" kern="1200" cap="none" spc="0" normalizeH="0" baseline="0" noProof="0" dirty="0">
-                      <a:ln>
-                        <a:noFill/>
-                      </a:ln>
-                      <a:solidFill>
-                        <a:prstClr val="black"/>
-                      </a:solidFill>
-                      <a:effectLst/>
-                      <a:uLnTx/>
-                      <a:uFillTx/>
-                      <a:latin typeface="Calibri" panose="020F0502020204030204"/>
-                      <a:ea typeface="+mn-ea"/>
-                      <a:cs typeface="+mn-cs"/>
-                    </a:rPr>
-                    <a:t>7</a:t>
-                  </a:r>
-                </a:p>
-              </p:txBody>
-            </p:sp>
-            <p:sp>
-              <p:nvSpPr>
-                <p:cNvPr id="15" name="Rectangle 14">
-                  <a:extLst>
-                    <a:ext uri="{FF2B5EF4-FFF2-40B4-BE49-F238E27FC236}">
-                      <a16:creationId xmlns:a16="http://schemas.microsoft.com/office/drawing/2014/main" id="{F407CF71-D57A-A91C-C914-C54C0A081E1A}"/>
-                    </a:ext>
-                  </a:extLst>
-                </p:cNvPr>
-                <p:cNvSpPr/>
-                <p:nvPr/>
-              </p:nvSpPr>
-              <p:spPr>
-                <a:xfrm>
-                  <a:off x="8646160" y="4104640"/>
-                  <a:ext cx="528320" cy="528320"/>
-                </a:xfrm>
-                <a:prstGeom prst="rect">
-                  <a:avLst/>
-                </a:prstGeom>
-                <a:solidFill>
-                  <a:schemeClr val="bg1"/>
-                </a:solidFill>
-              </p:spPr>
-              <p:style>
-                <a:lnRef idx="2">
-                  <a:schemeClr val="accent1">
-                    <a:shade val="15000"/>
-                  </a:schemeClr>
-                </a:lnRef>
-                <a:fillRef idx="1">
-                  <a:schemeClr val="accent1"/>
-                </a:fillRef>
-                <a:effectRef idx="0">
-                  <a:schemeClr val="accent1"/>
-                </a:effectRef>
-                <a:fontRef idx="minor">
-                  <a:schemeClr val="lt1"/>
-                </a:fontRef>
-              </p:style>
-              <p:txBody>
-                <a:bodyPr rtlCol="0" anchor="ctr"/>
-                <a:lstStyle/>
-                <a:p>
-                  <a:pPr marL="0" marR="0" lvl="0" indent="0" algn="ctr" defTabSz="914400" rtl="0" eaLnBrk="1" fontAlgn="auto" latinLnBrk="0" hangingPunct="1">
-                    <a:lnSpc>
-                      <a:spcPct val="100000"/>
-                    </a:lnSpc>
-                    <a:spcBef>
-                      <a:spcPts val="0"/>
-                    </a:spcBef>
-                    <a:spcAft>
-                      <a:spcPts val="0"/>
-                    </a:spcAft>
-                    <a:buClrTx/>
-                    <a:buSzTx/>
-                    <a:buFontTx/>
-                    <a:buNone/>
-                    <a:tabLst/>
-                    <a:defRPr/>
-                  </a:pPr>
-                  <a:endParaRPr kumimoji="0" lang="en-US" sz="1800" b="0" i="0" u="none" strike="noStrike" kern="1200" cap="none" spc="0" normalizeH="0" baseline="0" noProof="0">
-                    <a:ln>
-                      <a:noFill/>
-                    </a:ln>
-                    <a:solidFill>
-                      <a:prstClr val="white"/>
-                    </a:solidFill>
-                    <a:effectLst/>
-                    <a:uLnTx/>
-                    <a:uFillTx/>
-                    <a:latin typeface="Calibri" panose="020F0502020204030204"/>
-                    <a:ea typeface="+mn-ea"/>
-                    <a:cs typeface="+mn-cs"/>
-                  </a:endParaRPr>
-                </a:p>
-              </p:txBody>
-            </p:sp>
-          </p:grpSp>
-          <p:grpSp>
-            <p:nvGrpSpPr>
-              <p:cNvPr id="16" name="Group 15">
-                <a:extLst>
-                  <a:ext uri="{FF2B5EF4-FFF2-40B4-BE49-F238E27FC236}">
-                    <a16:creationId xmlns:a16="http://schemas.microsoft.com/office/drawing/2014/main" id="{120F050B-37C2-219F-596E-DF6CB4B760AD}"/>
-                  </a:ext>
-                </a:extLst>
-              </p:cNvPr>
-              <p:cNvGrpSpPr/>
-              <p:nvPr/>
-            </p:nvGrpSpPr>
-            <p:grpSpPr>
-              <a:xfrm>
-                <a:off x="2727960" y="1554957"/>
-                <a:ext cx="1056640" cy="528320"/>
-                <a:chOff x="8117840" y="4104640"/>
-                <a:chExt cx="1056640" cy="528320"/>
-              </a:xfrm>
-            </p:grpSpPr>
-            <p:sp>
-              <p:nvSpPr>
-                <p:cNvPr id="17" name="Rectangle 16">
-                  <a:extLst>
-                    <a:ext uri="{FF2B5EF4-FFF2-40B4-BE49-F238E27FC236}">
-                      <a16:creationId xmlns:a16="http://schemas.microsoft.com/office/drawing/2014/main" id="{A53347DB-0B75-EC7B-9151-C9E5CD0C0325}"/>
-                    </a:ext>
-                  </a:extLst>
-                </p:cNvPr>
-                <p:cNvSpPr/>
-                <p:nvPr/>
-              </p:nvSpPr>
-              <p:spPr>
-                <a:xfrm>
-                  <a:off x="8117840" y="4104640"/>
-                  <a:ext cx="528320" cy="528320"/>
-                </a:xfrm>
-                <a:prstGeom prst="rect">
-                  <a:avLst/>
-                </a:prstGeom>
-                <a:solidFill>
-                  <a:schemeClr val="accent4">
-                    <a:lumMod val="40000"/>
-                    <a:lumOff val="60000"/>
-                  </a:schemeClr>
-                </a:solidFill>
-              </p:spPr>
-              <p:style>
-                <a:lnRef idx="2">
-                  <a:schemeClr val="accent1">
-                    <a:shade val="15000"/>
-                  </a:schemeClr>
-                </a:lnRef>
-                <a:fillRef idx="1">
-                  <a:schemeClr val="accent1"/>
-                </a:fillRef>
-                <a:effectRef idx="0">
-                  <a:schemeClr val="accent1"/>
-                </a:effectRef>
-                <a:fontRef idx="minor">
-                  <a:schemeClr val="lt1"/>
-                </a:fontRef>
-              </p:style>
-              <p:txBody>
-                <a:bodyPr rtlCol="0" anchor="ctr"/>
-                <a:lstStyle/>
-                <a:p>
-                  <a:pPr marL="0" marR="0" lvl="0" indent="0" algn="ctr" defTabSz="914400" rtl="0" eaLnBrk="1" fontAlgn="auto" latinLnBrk="0" hangingPunct="1">
-                    <a:lnSpc>
-                      <a:spcPct val="100000"/>
-                    </a:lnSpc>
-                    <a:spcBef>
-                      <a:spcPts val="0"/>
-                    </a:spcBef>
-                    <a:spcAft>
-                      <a:spcPts val="0"/>
-                    </a:spcAft>
-                    <a:buClrTx/>
-                    <a:buSzTx/>
-                    <a:buFontTx/>
-                    <a:buNone/>
-                    <a:tabLst/>
-                    <a:defRPr/>
-                  </a:pPr>
-                  <a:r>
-                    <a:rPr kumimoji="0" lang="en-US" sz="1800" b="0" i="0" u="none" strike="noStrike" kern="1200" cap="none" spc="0" normalizeH="0" baseline="0" noProof="0" dirty="0">
-                      <a:ln>
-                        <a:noFill/>
-                      </a:ln>
-                      <a:solidFill>
-                        <a:prstClr val="black"/>
-                      </a:solidFill>
-                      <a:effectLst/>
-                      <a:uLnTx/>
-                      <a:uFillTx/>
-                      <a:latin typeface="Calibri" panose="020F0502020204030204"/>
-                      <a:ea typeface="+mn-ea"/>
-                      <a:cs typeface="+mn-cs"/>
-                    </a:rPr>
-                    <a:t>5</a:t>
-                  </a:r>
-                </a:p>
-              </p:txBody>
-            </p:sp>
-            <p:sp>
-              <p:nvSpPr>
-                <p:cNvPr id="18" name="Rectangle 17">
-                  <a:extLst>
-                    <a:ext uri="{FF2B5EF4-FFF2-40B4-BE49-F238E27FC236}">
-                      <a16:creationId xmlns:a16="http://schemas.microsoft.com/office/drawing/2014/main" id="{84ADE2BB-8760-3173-467C-5BC8261E271E}"/>
-                    </a:ext>
-                  </a:extLst>
-                </p:cNvPr>
-                <p:cNvSpPr/>
-                <p:nvPr/>
-              </p:nvSpPr>
-              <p:spPr>
-                <a:xfrm>
-                  <a:off x="8646160" y="4104640"/>
-                  <a:ext cx="528320" cy="528320"/>
-                </a:xfrm>
-                <a:prstGeom prst="rect">
-                  <a:avLst/>
-                </a:prstGeom>
-                <a:solidFill>
-                  <a:schemeClr val="bg1"/>
-                </a:solidFill>
-              </p:spPr>
-              <p:style>
-                <a:lnRef idx="2">
-                  <a:schemeClr val="accent1">
-                    <a:shade val="15000"/>
-                  </a:schemeClr>
-                </a:lnRef>
-                <a:fillRef idx="1">
-                  <a:schemeClr val="accent1"/>
-                </a:fillRef>
-                <a:effectRef idx="0">
-                  <a:schemeClr val="accent1"/>
-                </a:effectRef>
-                <a:fontRef idx="minor">
-                  <a:schemeClr val="lt1"/>
-                </a:fontRef>
-              </p:style>
-              <p:txBody>
-                <a:bodyPr rtlCol="0" anchor="ctr"/>
-                <a:lstStyle/>
-                <a:p>
-                  <a:pPr marL="0" marR="0" lvl="0" indent="0" algn="ctr" defTabSz="914400" rtl="0" eaLnBrk="1" fontAlgn="auto" latinLnBrk="0" hangingPunct="1">
-                    <a:lnSpc>
-                      <a:spcPct val="100000"/>
-                    </a:lnSpc>
-                    <a:spcBef>
-                      <a:spcPts val="0"/>
-                    </a:spcBef>
-                    <a:spcAft>
-                      <a:spcPts val="0"/>
-                    </a:spcAft>
-                    <a:buClrTx/>
-                    <a:buSzTx/>
-                    <a:buFontTx/>
-                    <a:buNone/>
-                    <a:tabLst/>
-                    <a:defRPr/>
-                  </a:pPr>
-                  <a:endParaRPr kumimoji="0" lang="en-US" sz="1800" b="0" i="0" u="none" strike="noStrike" kern="1200" cap="none" spc="0" normalizeH="0" baseline="0" noProof="0">
-                    <a:ln>
-                      <a:noFill/>
-                    </a:ln>
-                    <a:solidFill>
-                      <a:prstClr val="white"/>
-                    </a:solidFill>
-                    <a:effectLst/>
-                    <a:uLnTx/>
-                    <a:uFillTx/>
-                    <a:latin typeface="Calibri" panose="020F0502020204030204"/>
-                    <a:ea typeface="+mn-ea"/>
-                    <a:cs typeface="+mn-cs"/>
-                  </a:endParaRPr>
-                </a:p>
-              </p:txBody>
-            </p:sp>
-          </p:grpSp>
-          <p:cxnSp>
-            <p:nvCxnSpPr>
-              <p:cNvPr id="20" name="Straight Arrow Connector 19">
-                <a:extLst>
-                  <a:ext uri="{FF2B5EF4-FFF2-40B4-BE49-F238E27FC236}">
-                    <a16:creationId xmlns:a16="http://schemas.microsoft.com/office/drawing/2014/main" id="{B7FDDAFE-4EE1-0B07-F8EF-A0E336E57EEA}"/>
-                  </a:ext>
-                </a:extLst>
-              </p:cNvPr>
-              <p:cNvCxnSpPr>
-                <a:cxnSpLocks/>
-                <a:endCxn id="4" idx="1"/>
-              </p:cNvCxnSpPr>
-              <p:nvPr/>
-            </p:nvCxnSpPr>
-            <p:spPr>
-              <a:xfrm>
-                <a:off x="3520440" y="1819117"/>
-                <a:ext cx="533400" cy="0"/>
-              </a:xfrm>
-              <a:prstGeom prst="straightConnector1">
-                <a:avLst/>
-              </a:prstGeom>
-              <a:ln w="57150">
-                <a:solidFill>
-                  <a:srgbClr val="FF0000"/>
-                </a:solidFill>
-                <a:tailEnd type="triangle"/>
-              </a:ln>
-            </p:spPr>
-            <p:style>
-              <a:lnRef idx="1">
-                <a:schemeClr val="accent1"/>
-              </a:lnRef>
-              <a:fillRef idx="0">
-                <a:schemeClr val="accent1"/>
-              </a:fillRef>
-              <a:effectRef idx="0">
-                <a:schemeClr val="accent1"/>
-              </a:effectRef>
-              <a:fontRef idx="minor">
-                <a:schemeClr val="tx1"/>
-              </a:fontRef>
-            </p:style>
-          </p:cxnSp>
-          <p:cxnSp>
-            <p:nvCxnSpPr>
-              <p:cNvPr id="21" name="Straight Arrow Connector 20">
-                <a:extLst>
-                  <a:ext uri="{FF2B5EF4-FFF2-40B4-BE49-F238E27FC236}">
-                    <a16:creationId xmlns:a16="http://schemas.microsoft.com/office/drawing/2014/main" id="{34390D49-0BF1-DD6F-BB35-A7D2EC51301D}"/>
-                  </a:ext>
-                </a:extLst>
-              </p:cNvPr>
-              <p:cNvCxnSpPr>
-                <a:cxnSpLocks/>
-                <a:endCxn id="8" idx="1"/>
-              </p:cNvCxnSpPr>
-              <p:nvPr/>
-            </p:nvCxnSpPr>
-            <p:spPr>
-              <a:xfrm>
-                <a:off x="4846320" y="1819117"/>
-                <a:ext cx="528320" cy="0"/>
-              </a:xfrm>
-              <a:prstGeom prst="straightConnector1">
-                <a:avLst/>
-              </a:prstGeom>
-              <a:ln w="57150">
-                <a:solidFill>
-                  <a:srgbClr val="FF0000"/>
-                </a:solidFill>
-                <a:tailEnd type="triangle"/>
-              </a:ln>
-            </p:spPr>
-            <p:style>
-              <a:lnRef idx="1">
-                <a:schemeClr val="accent1"/>
-              </a:lnRef>
-              <a:fillRef idx="0">
-                <a:schemeClr val="accent1"/>
-              </a:fillRef>
-              <a:effectRef idx="0">
-                <a:schemeClr val="accent1"/>
-              </a:effectRef>
-              <a:fontRef idx="minor">
-                <a:schemeClr val="tx1"/>
-              </a:fontRef>
-            </p:style>
-          </p:cxnSp>
-          <p:cxnSp>
-            <p:nvCxnSpPr>
-              <p:cNvPr id="25" name="Straight Arrow Connector 24">
-                <a:extLst>
-                  <a:ext uri="{FF2B5EF4-FFF2-40B4-BE49-F238E27FC236}">
-                    <a16:creationId xmlns:a16="http://schemas.microsoft.com/office/drawing/2014/main" id="{D32022A6-39A0-59EF-AFBA-50A636320C92}"/>
-                  </a:ext>
-                </a:extLst>
-              </p:cNvPr>
-              <p:cNvCxnSpPr>
-                <a:cxnSpLocks/>
-                <a:endCxn id="11" idx="1"/>
-              </p:cNvCxnSpPr>
-              <p:nvPr/>
-            </p:nvCxnSpPr>
-            <p:spPr>
-              <a:xfrm>
-                <a:off x="6167120" y="1819117"/>
-                <a:ext cx="533400" cy="0"/>
-              </a:xfrm>
-              <a:prstGeom prst="straightConnector1">
-                <a:avLst/>
-              </a:prstGeom>
-              <a:ln w="57150">
-                <a:solidFill>
-                  <a:srgbClr val="FF0000"/>
-                </a:solidFill>
-                <a:tailEnd type="triangle"/>
-              </a:ln>
-            </p:spPr>
-            <p:style>
-              <a:lnRef idx="1">
-                <a:schemeClr val="accent1"/>
-              </a:lnRef>
-              <a:fillRef idx="0">
-                <a:schemeClr val="accent1"/>
-              </a:fillRef>
-              <a:effectRef idx="0">
-                <a:schemeClr val="accent1"/>
-              </a:effectRef>
-              <a:fontRef idx="minor">
-                <a:schemeClr val="tx1"/>
-              </a:fontRef>
-            </p:style>
-          </p:cxnSp>
-          <p:cxnSp>
-            <p:nvCxnSpPr>
-              <p:cNvPr id="28" name="Straight Arrow Connector 27">
-                <a:extLst>
-                  <a:ext uri="{FF2B5EF4-FFF2-40B4-BE49-F238E27FC236}">
-                    <a16:creationId xmlns:a16="http://schemas.microsoft.com/office/drawing/2014/main" id="{BB0DA348-AB88-B955-F717-397A3AF41087}"/>
-                  </a:ext>
-                </a:extLst>
-              </p:cNvPr>
-              <p:cNvCxnSpPr>
-                <a:cxnSpLocks/>
-                <a:endCxn id="14" idx="1"/>
-              </p:cNvCxnSpPr>
-              <p:nvPr/>
-            </p:nvCxnSpPr>
-            <p:spPr>
-              <a:xfrm>
-                <a:off x="7493000" y="1819117"/>
-                <a:ext cx="528320" cy="0"/>
-              </a:xfrm>
-              <a:prstGeom prst="straightConnector1">
-                <a:avLst/>
-              </a:prstGeom>
-              <a:ln w="57150">
-                <a:solidFill>
-                  <a:srgbClr val="FF0000"/>
-                </a:solidFill>
-                <a:tailEnd type="triangle"/>
-              </a:ln>
-            </p:spPr>
-            <p:style>
-              <a:lnRef idx="1">
-                <a:schemeClr val="accent1"/>
-              </a:lnRef>
-              <a:fillRef idx="0">
-                <a:schemeClr val="accent1"/>
-              </a:fillRef>
-              <a:effectRef idx="0">
-                <a:schemeClr val="accent1"/>
-              </a:effectRef>
-              <a:fontRef idx="minor">
-                <a:schemeClr val="tx1"/>
-              </a:fontRef>
-            </p:style>
-          </p:cxnSp>
-        </p:grpSp>
-        <p:sp>
-          <p:nvSpPr>
-            <p:cNvPr id="32" name="Rectangle 31">
-              <a:extLst>
-                <a:ext uri="{FF2B5EF4-FFF2-40B4-BE49-F238E27FC236}">
-                  <a16:creationId xmlns:a16="http://schemas.microsoft.com/office/drawing/2014/main" id="{8999C106-51E5-3961-E3E5-34A9394D8229}"/>
-                </a:ext>
-              </a:extLst>
-            </p:cNvPr>
-            <p:cNvSpPr/>
-            <p:nvPr/>
-          </p:nvSpPr>
-          <p:spPr>
-            <a:xfrm>
-              <a:off x="838200" y="1554957"/>
-              <a:ext cx="949960" cy="528320"/>
-            </a:xfrm>
-            <a:prstGeom prst="rect">
-              <a:avLst/>
-            </a:prstGeom>
-            <a:solidFill>
-              <a:schemeClr val="accent5">
-                <a:lumMod val="60000"/>
-                <a:lumOff val="40000"/>
-              </a:schemeClr>
-            </a:solidFill>
-          </p:spPr>
-          <p:style>
-            <a:lnRef idx="2">
-              <a:schemeClr val="accent1">
-                <a:shade val="15000"/>
-              </a:schemeClr>
-            </a:lnRef>
-            <a:fillRef idx="1">
-              <a:schemeClr val="accent1"/>
-            </a:fillRef>
-            <a:effectRef idx="0">
-              <a:schemeClr val="accent1"/>
-            </a:effectRef>
-            <a:fontRef idx="minor">
-              <a:schemeClr val="lt1"/>
-            </a:fontRef>
-          </p:style>
-          <p:txBody>
-            <a:bodyPr rtlCol="0" anchor="ctr"/>
-            <a:lstStyle/>
-            <a:p>
-              <a:pPr marL="0" marR="0" lvl="0" indent="0" algn="ctr" defTabSz="914400" rtl="0" eaLnBrk="1" fontAlgn="auto" latinLnBrk="0" hangingPunct="1">
-                <a:lnSpc>
-                  <a:spcPct val="100000"/>
-                </a:lnSpc>
-                <a:spcBef>
-                  <a:spcPts val="0"/>
-                </a:spcBef>
-                <a:spcAft>
-                  <a:spcPts val="0"/>
-                </a:spcAft>
-                <a:buClrTx/>
-                <a:buSzTx/>
-                <a:buFontTx/>
-                <a:buNone/>
-                <a:tabLst/>
-                <a:defRPr/>
-              </a:pPr>
-              <a:r>
-                <a:rPr kumimoji="0" lang="en-US" sz="1800" b="0" i="0" u="none" strike="noStrike" kern="1200" cap="none" spc="0" normalizeH="0" baseline="0" noProof="0" dirty="0">
-                  <a:ln>
-                    <a:noFill/>
-                  </a:ln>
-                  <a:solidFill>
-                    <a:prstClr val="black"/>
-                  </a:solidFill>
-                  <a:effectLst/>
-                  <a:uLnTx/>
-                  <a:uFillTx/>
-                  <a:latin typeface="Calibri" panose="020F0502020204030204"/>
-                  <a:ea typeface="+mn-ea"/>
-                  <a:cs typeface="+mn-cs"/>
-                </a:rPr>
-                <a:t>front</a:t>
-              </a:r>
-            </a:p>
-          </p:txBody>
-        </p:sp>
-        <p:cxnSp>
-          <p:nvCxnSpPr>
-            <p:cNvPr id="33" name="Straight Arrow Connector 32">
-              <a:extLst>
-                <a:ext uri="{FF2B5EF4-FFF2-40B4-BE49-F238E27FC236}">
-                  <a16:creationId xmlns:a16="http://schemas.microsoft.com/office/drawing/2014/main" id="{F1812170-C583-A253-8EA1-248C38ECA648}"/>
-                </a:ext>
-              </a:extLst>
-            </p:cNvPr>
-            <p:cNvCxnSpPr>
-              <a:cxnSpLocks/>
-              <a:stCxn id="32" idx="3"/>
-              <a:endCxn id="17" idx="1"/>
-            </p:cNvCxnSpPr>
-            <p:nvPr/>
-          </p:nvCxnSpPr>
-          <p:spPr>
-            <a:xfrm>
-              <a:off x="1788160" y="1819117"/>
-              <a:ext cx="939800" cy="0"/>
-            </a:xfrm>
-            <a:prstGeom prst="straightConnector1">
-              <a:avLst/>
-            </a:prstGeom>
-            <a:ln w="57150">
-              <a:solidFill>
-                <a:srgbClr val="FF0000"/>
-              </a:solidFill>
-              <a:tailEnd type="triangle"/>
-            </a:ln>
-          </p:spPr>
-          <p:style>
-            <a:lnRef idx="1">
-              <a:schemeClr val="accent1"/>
-            </a:lnRef>
-            <a:fillRef idx="0">
-              <a:schemeClr val="accent1"/>
-            </a:fillRef>
-            <a:effectRef idx="0">
-              <a:schemeClr val="accent1"/>
-            </a:effectRef>
-            <a:fontRef idx="minor">
-              <a:schemeClr val="tx1"/>
-            </a:fontRef>
-          </p:style>
-        </p:cxnSp>
-        <p:sp>
-          <p:nvSpPr>
-            <p:cNvPr id="37" name="Rectangle 36">
-              <a:extLst>
-                <a:ext uri="{FF2B5EF4-FFF2-40B4-BE49-F238E27FC236}">
-                  <a16:creationId xmlns:a16="http://schemas.microsoft.com/office/drawing/2014/main" id="{EB759151-69C6-76A3-FDA9-AA4172146588}"/>
-                </a:ext>
-              </a:extLst>
-            </p:cNvPr>
-            <p:cNvSpPr/>
-            <p:nvPr/>
-          </p:nvSpPr>
-          <p:spPr>
-            <a:xfrm>
-              <a:off x="7810500" y="2744789"/>
-              <a:ext cx="949960" cy="528320"/>
-            </a:xfrm>
-            <a:prstGeom prst="rect">
-              <a:avLst/>
-            </a:prstGeom>
-            <a:solidFill>
-              <a:srgbClr val="FFC000"/>
-            </a:solidFill>
-          </p:spPr>
-          <p:style>
-            <a:lnRef idx="2">
-              <a:schemeClr val="accent1">
-                <a:shade val="15000"/>
-              </a:schemeClr>
-            </a:lnRef>
-            <a:fillRef idx="1">
-              <a:schemeClr val="accent1"/>
-            </a:fillRef>
-            <a:effectRef idx="0">
-              <a:schemeClr val="accent1"/>
-            </a:effectRef>
-            <a:fontRef idx="minor">
-              <a:schemeClr val="lt1"/>
-            </a:fontRef>
-          </p:style>
-          <p:txBody>
-            <a:bodyPr rtlCol="0" anchor="ctr"/>
-            <a:lstStyle/>
-            <a:p>
-              <a:pPr marL="0" marR="0" lvl="0" indent="0" algn="ctr" defTabSz="914400" rtl="0" eaLnBrk="1" fontAlgn="auto" latinLnBrk="0" hangingPunct="1">
-                <a:lnSpc>
-                  <a:spcPct val="100000"/>
-                </a:lnSpc>
-                <a:spcBef>
-                  <a:spcPts val="0"/>
-                </a:spcBef>
-                <a:spcAft>
-                  <a:spcPts val="0"/>
-                </a:spcAft>
-                <a:buClrTx/>
-                <a:buSzTx/>
-                <a:buFontTx/>
-                <a:buNone/>
-                <a:tabLst/>
-                <a:defRPr/>
-              </a:pPr>
-              <a:r>
-                <a:rPr kumimoji="0" lang="en-US" sz="1800" b="0" i="0" u="none" strike="noStrike" kern="1200" cap="none" spc="0" normalizeH="0" baseline="0" noProof="0" dirty="0">
-                  <a:ln>
-                    <a:noFill/>
-                  </a:ln>
-                  <a:solidFill>
-                    <a:prstClr val="black"/>
-                  </a:solidFill>
-                  <a:effectLst/>
-                  <a:uLnTx/>
-                  <a:uFillTx/>
-                  <a:latin typeface="Calibri" panose="020F0502020204030204"/>
-                  <a:ea typeface="+mn-ea"/>
-                  <a:cs typeface="+mn-cs"/>
-                </a:rPr>
-                <a:t>back</a:t>
-              </a:r>
-            </a:p>
-          </p:txBody>
-        </p:sp>
-        <p:cxnSp>
-          <p:nvCxnSpPr>
-            <p:cNvPr id="38" name="Straight Arrow Connector 37">
-              <a:extLst>
-                <a:ext uri="{FF2B5EF4-FFF2-40B4-BE49-F238E27FC236}">
-                  <a16:creationId xmlns:a16="http://schemas.microsoft.com/office/drawing/2014/main" id="{B0D47820-BD34-FA0D-035E-9150631C26CB}"/>
-                </a:ext>
-              </a:extLst>
-            </p:cNvPr>
-            <p:cNvCxnSpPr>
-              <a:cxnSpLocks/>
-              <a:stCxn id="37" idx="0"/>
-              <a:endCxn id="14" idx="2"/>
-            </p:cNvCxnSpPr>
-            <p:nvPr/>
-          </p:nvCxnSpPr>
-          <p:spPr>
-            <a:xfrm flipV="1">
-              <a:off x="8285480" y="2083277"/>
-              <a:ext cx="0" cy="661512"/>
-            </a:xfrm>
-            <a:prstGeom prst="straightConnector1">
-              <a:avLst/>
-            </a:prstGeom>
-            <a:ln w="57150">
-              <a:solidFill>
-                <a:srgbClr val="FF0000"/>
-              </a:solidFill>
-              <a:tailEnd type="triangle"/>
-            </a:ln>
-          </p:spPr>
-          <p:style>
-            <a:lnRef idx="1">
-              <a:schemeClr val="accent1"/>
-            </a:lnRef>
-            <a:fillRef idx="0">
-              <a:schemeClr val="accent1"/>
-            </a:fillRef>
-            <a:effectRef idx="0">
-              <a:schemeClr val="accent1"/>
-            </a:effectRef>
-            <a:fontRef idx="minor">
-              <a:schemeClr val="tx1"/>
-            </a:fontRef>
-          </p:style>
-        </p:cxnSp>
-      </p:grpSp>
-      <p:sp>
-        <p:nvSpPr>
-          <p:cNvPr id="43" name="TextBox 42">
-            <a:extLst>
-              <a:ext uri="{FF2B5EF4-FFF2-40B4-BE49-F238E27FC236}">
-                <a16:creationId xmlns:a16="http://schemas.microsoft.com/office/drawing/2014/main" id="{942586CC-8A02-7C46-0408-B0C340E24340}"/>
-              </a:ext>
-            </a:extLst>
-          </p:cNvPr>
-          <p:cNvSpPr txBox="1"/>
-          <p:nvPr/>
-        </p:nvSpPr>
-        <p:spPr>
-          <a:xfrm>
-            <a:off x="3391535" y="3599774"/>
-            <a:ext cx="3966210" cy="1354217"/>
-          </a:xfrm>
-          <a:prstGeom prst="rect">
-            <a:avLst/>
-          </a:prstGeom>
-          <a:noFill/>
-        </p:spPr>
-        <p:txBody>
-          <a:bodyPr wrap="square" rtlCol="0">
-            <a:spAutoFit/>
-          </a:bodyPr>
-          <a:lstStyle/>
-          <a:p>
-            <a:pPr marL="0" marR="0" lvl="0" indent="0" algn="l" defTabSz="914400" rtl="0" eaLnBrk="1" fontAlgn="auto" latinLnBrk="0" hangingPunct="1">
-              <a:lnSpc>
-                <a:spcPct val="100000"/>
-              </a:lnSpc>
-              <a:spcBef>
-                <a:spcPts val="0"/>
-              </a:spcBef>
-              <a:spcAft>
-                <a:spcPts val="0"/>
-              </a:spcAft>
-              <a:buClrTx/>
-              <a:buSzTx/>
-              <a:buFontTx/>
-              <a:buNone/>
-              <a:tabLst/>
-              <a:defRPr/>
-            </a:pPr>
-            <a:r>
-              <a:rPr kumimoji="0" lang="en-US" sz="1600" b="0" i="0" u="none" strike="noStrike" kern="1200" cap="none" spc="0" normalizeH="0" baseline="0" noProof="0" dirty="0">
-                <a:ln>
-                  <a:noFill/>
-                </a:ln>
-                <a:solidFill>
-                  <a:prstClr val="black"/>
-                </a:solidFill>
-                <a:effectLst/>
-                <a:uLnTx/>
-                <a:uFillTx/>
-                <a:latin typeface="Cascadia Code" panose="020B0609020000020004" pitchFamily="49" charset="0"/>
-                <a:ea typeface="Cascadia Code" panose="020B0609020000020004" pitchFamily="49" charset="0"/>
-                <a:cs typeface="Cascadia Code" panose="020B0609020000020004" pitchFamily="49" charset="0"/>
-              </a:rPr>
-              <a:t>enqueue(x){</a:t>
-            </a:r>
-          </a:p>
-          <a:p>
-            <a:pPr marL="0" marR="0" lvl="0" indent="0" algn="l" defTabSz="914400" rtl="0" eaLnBrk="1" fontAlgn="auto" latinLnBrk="0" hangingPunct="1">
-              <a:lnSpc>
-                <a:spcPct val="100000"/>
-              </a:lnSpc>
-              <a:spcBef>
-                <a:spcPts val="0"/>
-              </a:spcBef>
-              <a:spcAft>
-                <a:spcPts val="0"/>
-              </a:spcAft>
-              <a:buClrTx/>
-              <a:buSzTx/>
-              <a:buFontTx/>
-              <a:buNone/>
-              <a:tabLst/>
-              <a:defRPr/>
-            </a:pPr>
-            <a:r>
-              <a:rPr kumimoji="0" lang="en-US" sz="1600" b="0" i="0" u="none" strike="noStrike" kern="1200" cap="none" spc="0" normalizeH="0" baseline="0" noProof="0" dirty="0">
-                <a:ln>
-                  <a:noFill/>
-                </a:ln>
-                <a:solidFill>
-                  <a:prstClr val="black"/>
-                </a:solidFill>
-                <a:effectLst/>
-                <a:uLnTx/>
-                <a:uFillTx/>
-                <a:latin typeface="Cascadia Code" panose="020B0609020000020004" pitchFamily="49" charset="0"/>
-                <a:ea typeface="Cascadia Code" panose="020B0609020000020004" pitchFamily="49" charset="0"/>
-                <a:cs typeface="Cascadia Code" panose="020B0609020000020004" pitchFamily="49" charset="0"/>
-              </a:rPr>
-              <a:t>    last = new </a:t>
-            </a:r>
-            <a:r>
-              <a:rPr kumimoji="0" lang="en-US" sz="1600" b="0" i="0" u="none" strike="noStrike" kern="1200" cap="none" spc="0" normalizeH="0" baseline="0" noProof="0" dirty="0" err="1">
-                <a:ln>
-                  <a:noFill/>
-                </a:ln>
-                <a:solidFill>
-                  <a:prstClr val="black"/>
-                </a:solidFill>
-                <a:effectLst/>
-                <a:uLnTx/>
-                <a:uFillTx/>
-                <a:latin typeface="Cascadia Code" panose="020B0609020000020004" pitchFamily="49" charset="0"/>
-                <a:ea typeface="Cascadia Code" panose="020B0609020000020004" pitchFamily="49" charset="0"/>
-                <a:cs typeface="Cascadia Code" panose="020B0609020000020004" pitchFamily="49" charset="0"/>
-              </a:rPr>
-              <a:t>ListNode</a:t>
-            </a:r>
-            <a:r>
-              <a:rPr kumimoji="0" lang="en-US" sz="1600" b="0" i="0" u="none" strike="noStrike" kern="1200" cap="none" spc="0" normalizeH="0" baseline="0" noProof="0" dirty="0">
-                <a:ln>
-                  <a:noFill/>
-                </a:ln>
-                <a:solidFill>
-                  <a:prstClr val="black"/>
-                </a:solidFill>
-                <a:effectLst/>
-                <a:uLnTx/>
-                <a:uFillTx/>
-                <a:latin typeface="Cascadia Code" panose="020B0609020000020004" pitchFamily="49" charset="0"/>
-                <a:ea typeface="Cascadia Code" panose="020B0609020000020004" pitchFamily="49" charset="0"/>
-                <a:cs typeface="Cascadia Code" panose="020B0609020000020004" pitchFamily="49" charset="0"/>
-              </a:rPr>
-              <a:t>(x);</a:t>
-            </a:r>
-          </a:p>
-          <a:p>
-            <a:pPr marL="0" marR="0" lvl="0" indent="0" algn="l" defTabSz="914400" rtl="0" eaLnBrk="1" fontAlgn="auto" latinLnBrk="0" hangingPunct="1">
-              <a:lnSpc>
-                <a:spcPct val="100000"/>
-              </a:lnSpc>
-              <a:spcBef>
-                <a:spcPts val="0"/>
-              </a:spcBef>
-              <a:spcAft>
-                <a:spcPts val="0"/>
-              </a:spcAft>
-              <a:buClrTx/>
-              <a:buSzTx/>
-              <a:buFontTx/>
-              <a:buNone/>
-              <a:tabLst/>
-              <a:defRPr/>
-            </a:pPr>
-            <a:r>
-              <a:rPr kumimoji="0" lang="en-US" sz="1600" b="0" i="0" u="none" strike="noStrike" kern="1200" cap="none" spc="0" normalizeH="0" baseline="0" noProof="0" dirty="0">
-                <a:ln>
-                  <a:noFill/>
-                </a:ln>
-                <a:solidFill>
-                  <a:prstClr val="black"/>
-                </a:solidFill>
-                <a:effectLst/>
-                <a:uLnTx/>
-                <a:uFillTx/>
-                <a:latin typeface="Cascadia Code" panose="020B0609020000020004" pitchFamily="49" charset="0"/>
-                <a:ea typeface="Cascadia Code" panose="020B0609020000020004" pitchFamily="49" charset="0"/>
-                <a:cs typeface="Cascadia Code" panose="020B0609020000020004" pitchFamily="49" charset="0"/>
-              </a:rPr>
-              <a:t>    </a:t>
-            </a:r>
-            <a:r>
-              <a:rPr kumimoji="0" lang="en-US" sz="1600" b="0" i="0" u="none" strike="noStrike" kern="1200" cap="none" spc="0" normalizeH="0" baseline="0" noProof="0" dirty="0" err="1">
-                <a:ln>
-                  <a:noFill/>
-                </a:ln>
-                <a:solidFill>
-                  <a:prstClr val="black"/>
-                </a:solidFill>
-                <a:effectLst/>
-                <a:uLnTx/>
-                <a:uFillTx/>
-                <a:latin typeface="Cascadia Code" panose="020B0609020000020004" pitchFamily="49" charset="0"/>
-                <a:ea typeface="Cascadia Code" panose="020B0609020000020004" pitchFamily="49" charset="0"/>
-                <a:cs typeface="Cascadia Code" panose="020B0609020000020004" pitchFamily="49" charset="0"/>
-              </a:rPr>
-              <a:t>back.next</a:t>
-            </a:r>
-            <a:r>
-              <a:rPr kumimoji="0" lang="en-US" sz="1600" b="0" i="0" u="none" strike="noStrike" kern="1200" cap="none" spc="0" normalizeH="0" baseline="0" noProof="0" dirty="0">
-                <a:ln>
-                  <a:noFill/>
-                </a:ln>
-                <a:solidFill>
-                  <a:prstClr val="black"/>
-                </a:solidFill>
-                <a:effectLst/>
-                <a:uLnTx/>
-                <a:uFillTx/>
-                <a:latin typeface="Cascadia Code" panose="020B0609020000020004" pitchFamily="49" charset="0"/>
-                <a:ea typeface="Cascadia Code" panose="020B0609020000020004" pitchFamily="49" charset="0"/>
-                <a:cs typeface="Cascadia Code" panose="020B0609020000020004" pitchFamily="49" charset="0"/>
-              </a:rPr>
-              <a:t> = last;</a:t>
-            </a:r>
-          </a:p>
-          <a:p>
-            <a:pPr marL="0" marR="0" lvl="0" indent="0" algn="l" defTabSz="914400" rtl="0" eaLnBrk="1" fontAlgn="auto" latinLnBrk="0" hangingPunct="1">
-              <a:lnSpc>
-                <a:spcPct val="100000"/>
-              </a:lnSpc>
-              <a:spcBef>
-                <a:spcPts val="0"/>
-              </a:spcBef>
-              <a:spcAft>
-                <a:spcPts val="0"/>
-              </a:spcAft>
-              <a:buClrTx/>
-              <a:buSzTx/>
-              <a:buFontTx/>
-              <a:buNone/>
-              <a:tabLst/>
-              <a:defRPr/>
-            </a:pPr>
-            <a:r>
-              <a:rPr kumimoji="0" lang="en-US" sz="1600" b="0" i="0" u="none" strike="noStrike" kern="1200" cap="none" spc="0" normalizeH="0" baseline="0" noProof="0" dirty="0">
-                <a:ln>
-                  <a:noFill/>
-                </a:ln>
-                <a:solidFill>
-                  <a:prstClr val="black"/>
-                </a:solidFill>
-                <a:effectLst/>
-                <a:uLnTx/>
-                <a:uFillTx/>
-                <a:latin typeface="Cascadia Code" panose="020B0609020000020004" pitchFamily="49" charset="0"/>
-                <a:ea typeface="Cascadia Code" panose="020B0609020000020004" pitchFamily="49" charset="0"/>
-                <a:cs typeface="Cascadia Code" panose="020B0609020000020004" pitchFamily="49" charset="0"/>
-              </a:rPr>
-              <a:t>    back = last;</a:t>
-            </a:r>
-          </a:p>
-          <a:p>
-            <a:pPr marL="0" marR="0" lvl="0" indent="0" algn="l" defTabSz="914400" rtl="0" eaLnBrk="1" fontAlgn="auto" latinLnBrk="0" hangingPunct="1">
-              <a:lnSpc>
-                <a:spcPct val="100000"/>
-              </a:lnSpc>
-              <a:spcBef>
-                <a:spcPts val="0"/>
-              </a:spcBef>
-              <a:spcAft>
-                <a:spcPts val="0"/>
-              </a:spcAft>
-              <a:buClrTx/>
-              <a:buSzTx/>
-              <a:buFontTx/>
-              <a:buNone/>
-              <a:tabLst/>
-              <a:defRPr/>
-            </a:pPr>
-            <a:r>
-              <a:rPr kumimoji="0" lang="en-US" sz="1600" b="0" i="0" u="none" strike="noStrike" kern="1200" cap="none" spc="0" normalizeH="0" baseline="0" noProof="0" dirty="0">
-                <a:ln>
-                  <a:noFill/>
-                </a:ln>
-                <a:solidFill>
-                  <a:prstClr val="black"/>
-                </a:solidFill>
-                <a:effectLst/>
-                <a:uLnTx/>
-                <a:uFillTx/>
-                <a:latin typeface="Cascadia Code" panose="020B0609020000020004" pitchFamily="49" charset="0"/>
-                <a:ea typeface="Cascadia Code" panose="020B0609020000020004" pitchFamily="49" charset="0"/>
-                <a:cs typeface="Cascadia Code" panose="020B0609020000020004" pitchFamily="49" charset="0"/>
-              </a:rPr>
-              <a:t>}</a:t>
-            </a:r>
-          </a:p>
-        </p:txBody>
-      </p:sp>
-      <p:sp>
-        <p:nvSpPr>
-          <p:cNvPr id="47" name="TextBox 46">
-            <a:extLst>
-              <a:ext uri="{FF2B5EF4-FFF2-40B4-BE49-F238E27FC236}">
-                <a16:creationId xmlns:a16="http://schemas.microsoft.com/office/drawing/2014/main" id="{B817A645-BE98-69F7-8F7F-B8B1A6FA49C3}"/>
-              </a:ext>
-            </a:extLst>
-          </p:cNvPr>
-          <p:cNvSpPr txBox="1"/>
-          <p:nvPr/>
-        </p:nvSpPr>
-        <p:spPr>
-          <a:xfrm>
-            <a:off x="5110479" y="4593600"/>
-            <a:ext cx="4781665" cy="1569660"/>
-          </a:xfrm>
-          <a:prstGeom prst="rect">
-            <a:avLst/>
-          </a:prstGeom>
-          <a:noFill/>
-        </p:spPr>
-        <p:txBody>
-          <a:bodyPr wrap="square" rtlCol="0">
-            <a:spAutoFit/>
-          </a:bodyPr>
-          <a:lstStyle/>
-          <a:p>
-            <a:pPr marL="0" marR="0" lvl="0" indent="0" algn="l" defTabSz="914400" rtl="0" eaLnBrk="1" fontAlgn="auto" latinLnBrk="0" hangingPunct="1">
-              <a:lnSpc>
-                <a:spcPct val="100000"/>
-              </a:lnSpc>
-              <a:spcBef>
-                <a:spcPts val="0"/>
-              </a:spcBef>
-              <a:spcAft>
-                <a:spcPts val="0"/>
-              </a:spcAft>
-              <a:buClrTx/>
-              <a:buSzTx/>
-              <a:buFontTx/>
-              <a:buNone/>
-              <a:tabLst/>
-              <a:defRPr/>
-            </a:pPr>
-            <a:r>
-              <a:rPr kumimoji="0" lang="en-US" sz="1600" b="0" i="0" u="none" strike="noStrike" kern="1200" cap="none" spc="0" normalizeH="0" baseline="0" noProof="0" dirty="0">
-                <a:ln>
-                  <a:noFill/>
-                </a:ln>
-                <a:solidFill>
-                  <a:prstClr val="black"/>
-                </a:solidFill>
-                <a:effectLst/>
-                <a:uLnTx/>
-                <a:uFillTx/>
-                <a:latin typeface="Cascadia Code" panose="020B0609020000020004" pitchFamily="49" charset="0"/>
-                <a:ea typeface="Cascadia Code" panose="020B0609020000020004" pitchFamily="49" charset="0"/>
-                <a:cs typeface="Cascadia Code" panose="020B0609020000020004" pitchFamily="49" charset="0"/>
-              </a:rPr>
-              <a:t>dequeue(){</a:t>
-            </a:r>
-          </a:p>
-          <a:p>
-            <a:pPr marL="0" marR="0" lvl="0" indent="0" algn="l" defTabSz="914400" rtl="0" eaLnBrk="1" fontAlgn="auto" latinLnBrk="0" hangingPunct="1">
-              <a:lnSpc>
-                <a:spcPct val="100000"/>
-              </a:lnSpc>
-              <a:spcBef>
-                <a:spcPts val="0"/>
-              </a:spcBef>
-              <a:spcAft>
-                <a:spcPts val="0"/>
-              </a:spcAft>
-              <a:buClrTx/>
-              <a:buSzTx/>
-              <a:buFontTx/>
-              <a:buNone/>
-              <a:tabLst/>
-              <a:defRPr/>
-            </a:pPr>
-            <a:r>
-              <a:rPr kumimoji="0" lang="en-US" sz="1600" b="0" i="0" u="none" strike="noStrike" kern="1200" cap="none" spc="0" normalizeH="0" baseline="0" noProof="0" dirty="0">
-                <a:ln>
-                  <a:noFill/>
-                </a:ln>
-                <a:solidFill>
-                  <a:prstClr val="black"/>
-                </a:solidFill>
-                <a:effectLst/>
-                <a:uLnTx/>
-                <a:uFillTx/>
-                <a:latin typeface="Cascadia Code" panose="020B0609020000020004" pitchFamily="49" charset="0"/>
-                <a:ea typeface="Cascadia Code" panose="020B0609020000020004" pitchFamily="49" charset="0"/>
-                <a:cs typeface="Cascadia Code" panose="020B0609020000020004" pitchFamily="49" charset="0"/>
-              </a:rPr>
-              <a:t>    first = </a:t>
-            </a:r>
-            <a:r>
-              <a:rPr kumimoji="0" lang="en-US" sz="1600" b="0" i="0" u="none" strike="noStrike" kern="1200" cap="none" spc="0" normalizeH="0" baseline="0" noProof="0" dirty="0" err="1">
-                <a:ln>
-                  <a:noFill/>
-                </a:ln>
-                <a:solidFill>
-                  <a:prstClr val="black"/>
-                </a:solidFill>
-                <a:effectLst/>
-                <a:uLnTx/>
-                <a:uFillTx/>
-                <a:latin typeface="Cascadia Code" panose="020B0609020000020004" pitchFamily="49" charset="0"/>
-                <a:ea typeface="Cascadia Code" panose="020B0609020000020004" pitchFamily="49" charset="0"/>
-                <a:cs typeface="Cascadia Code" panose="020B0609020000020004" pitchFamily="49" charset="0"/>
-              </a:rPr>
-              <a:t>front.value</a:t>
-            </a:r>
-            <a:r>
-              <a:rPr kumimoji="0" lang="en-US" sz="1600" b="0" i="0" u="none" strike="noStrike" kern="1200" cap="none" spc="0" normalizeH="0" baseline="0" noProof="0" dirty="0">
-                <a:ln>
-                  <a:noFill/>
-                </a:ln>
-                <a:solidFill>
-                  <a:prstClr val="black"/>
-                </a:solidFill>
-                <a:effectLst/>
-                <a:uLnTx/>
-                <a:uFillTx/>
-                <a:latin typeface="Cascadia Code" panose="020B0609020000020004" pitchFamily="49" charset="0"/>
-                <a:ea typeface="Cascadia Code" panose="020B0609020000020004" pitchFamily="49" charset="0"/>
-                <a:cs typeface="Cascadia Code" panose="020B0609020000020004" pitchFamily="49" charset="0"/>
-              </a:rPr>
-              <a:t>;</a:t>
-            </a:r>
-          </a:p>
-          <a:p>
-            <a:pPr marL="0" marR="0" lvl="0" indent="0" algn="l" defTabSz="914400" rtl="0" eaLnBrk="1" fontAlgn="auto" latinLnBrk="0" hangingPunct="1">
-              <a:lnSpc>
-                <a:spcPct val="100000"/>
-              </a:lnSpc>
-              <a:spcBef>
-                <a:spcPts val="0"/>
-              </a:spcBef>
-              <a:spcAft>
-                <a:spcPts val="0"/>
-              </a:spcAft>
-              <a:buClrTx/>
-              <a:buSzTx/>
-              <a:buFontTx/>
-              <a:buNone/>
-              <a:tabLst/>
-              <a:defRPr/>
-            </a:pPr>
-            <a:r>
-              <a:rPr kumimoji="0" lang="en-US" sz="1600" b="0" i="0" u="none" strike="noStrike" kern="1200" cap="none" spc="0" normalizeH="0" baseline="0" noProof="0" dirty="0">
-                <a:ln>
-                  <a:noFill/>
-                </a:ln>
-                <a:solidFill>
-                  <a:prstClr val="black"/>
-                </a:solidFill>
-                <a:effectLst/>
-                <a:uLnTx/>
-                <a:uFillTx/>
-                <a:latin typeface="Cascadia Code" panose="020B0609020000020004" pitchFamily="49" charset="0"/>
-                <a:ea typeface="Cascadia Code" panose="020B0609020000020004" pitchFamily="49" charset="0"/>
-                <a:cs typeface="Cascadia Code" panose="020B0609020000020004" pitchFamily="49" charset="0"/>
-              </a:rPr>
-              <a:t>    front = </a:t>
-            </a:r>
-            <a:r>
-              <a:rPr kumimoji="0" lang="en-US" sz="1600" b="0" i="0" u="none" strike="noStrike" kern="1200" cap="none" spc="0" normalizeH="0" baseline="0" noProof="0" dirty="0" err="1">
-                <a:ln>
-                  <a:noFill/>
-                </a:ln>
-                <a:solidFill>
-                  <a:prstClr val="black"/>
-                </a:solidFill>
-                <a:effectLst/>
-                <a:uLnTx/>
-                <a:uFillTx/>
-                <a:latin typeface="Cascadia Code" panose="020B0609020000020004" pitchFamily="49" charset="0"/>
-                <a:ea typeface="Cascadia Code" panose="020B0609020000020004" pitchFamily="49" charset="0"/>
-                <a:cs typeface="Cascadia Code" panose="020B0609020000020004" pitchFamily="49" charset="0"/>
-              </a:rPr>
-              <a:t>front.next</a:t>
-            </a:r>
-            <a:r>
-              <a:rPr kumimoji="0" lang="en-US" sz="1600" b="0" i="0" u="none" strike="noStrike" kern="1200" cap="none" spc="0" normalizeH="0" baseline="0" noProof="0" dirty="0">
-                <a:ln>
-                  <a:noFill/>
-                </a:ln>
-                <a:solidFill>
-                  <a:prstClr val="black"/>
-                </a:solidFill>
-                <a:effectLst/>
-                <a:uLnTx/>
-                <a:uFillTx/>
-                <a:latin typeface="Cascadia Code" panose="020B0609020000020004" pitchFamily="49" charset="0"/>
-                <a:ea typeface="Cascadia Code" panose="020B0609020000020004" pitchFamily="49" charset="0"/>
-                <a:cs typeface="Cascadia Code" panose="020B0609020000020004" pitchFamily="49" charset="0"/>
-              </a:rPr>
-              <a:t>;</a:t>
-            </a:r>
-          </a:p>
-          <a:p>
-            <a:pPr marL="0" marR="0" lvl="0" indent="0" algn="l" defTabSz="914400" rtl="0" eaLnBrk="1" fontAlgn="auto" latinLnBrk="0" hangingPunct="1">
-              <a:lnSpc>
-                <a:spcPct val="100000"/>
-              </a:lnSpc>
-              <a:spcBef>
-                <a:spcPts val="0"/>
-              </a:spcBef>
-              <a:spcAft>
-                <a:spcPts val="0"/>
-              </a:spcAft>
-              <a:buClrTx/>
-              <a:buSzTx/>
-              <a:buFontTx/>
-              <a:buNone/>
-              <a:tabLst/>
-              <a:defRPr/>
-            </a:pPr>
-            <a:r>
-              <a:rPr kumimoji="0" lang="en-US" sz="1600" b="0" i="0" u="none" strike="noStrike" kern="1200" cap="none" spc="0" normalizeH="0" baseline="0" noProof="0" dirty="0">
-                <a:ln>
-                  <a:noFill/>
-                </a:ln>
-                <a:solidFill>
-                  <a:prstClr val="black"/>
-                </a:solidFill>
-                <a:effectLst/>
-                <a:uLnTx/>
-                <a:uFillTx/>
-                <a:latin typeface="Cascadia Code" panose="020B0609020000020004" pitchFamily="49" charset="0"/>
-                <a:ea typeface="Cascadia Code" panose="020B0609020000020004" pitchFamily="49" charset="0"/>
-                <a:cs typeface="Cascadia Code" panose="020B0609020000020004" pitchFamily="49" charset="0"/>
-              </a:rPr>
-              <a:t>    if (front == null) {back = null;}</a:t>
-            </a:r>
-          </a:p>
-          <a:p>
-            <a:pPr marL="0" marR="0" lvl="0" indent="0" algn="l" defTabSz="914400" rtl="0" eaLnBrk="1" fontAlgn="auto" latinLnBrk="0" hangingPunct="1">
-              <a:lnSpc>
-                <a:spcPct val="100000"/>
-              </a:lnSpc>
-              <a:spcBef>
-                <a:spcPts val="0"/>
-              </a:spcBef>
-              <a:spcAft>
-                <a:spcPts val="0"/>
-              </a:spcAft>
-              <a:buClrTx/>
-              <a:buSzTx/>
-              <a:buFontTx/>
-              <a:buNone/>
-              <a:tabLst/>
-              <a:defRPr/>
-            </a:pPr>
-            <a:r>
-              <a:rPr kumimoji="0" lang="en-US" sz="1600" b="0" i="0" u="none" strike="noStrike" kern="1200" cap="none" spc="0" normalizeH="0" baseline="0" noProof="0" dirty="0">
-                <a:ln>
-                  <a:noFill/>
-                </a:ln>
-                <a:solidFill>
-                  <a:prstClr val="black"/>
-                </a:solidFill>
-                <a:effectLst/>
-                <a:uLnTx/>
-                <a:uFillTx/>
-                <a:latin typeface="Cascadia Code" panose="020B0609020000020004" pitchFamily="49" charset="0"/>
-                <a:ea typeface="Cascadia Code" panose="020B0609020000020004" pitchFamily="49" charset="0"/>
-                <a:cs typeface="Cascadia Code" panose="020B0609020000020004" pitchFamily="49" charset="0"/>
-              </a:rPr>
-              <a:t>    return first</a:t>
-            </a:r>
-          </a:p>
-          <a:p>
-            <a:pPr marL="0" marR="0" lvl="0" indent="0" algn="l" defTabSz="914400" rtl="0" eaLnBrk="1" fontAlgn="auto" latinLnBrk="0" hangingPunct="1">
-              <a:lnSpc>
-                <a:spcPct val="100000"/>
-              </a:lnSpc>
-              <a:spcBef>
-                <a:spcPts val="0"/>
-              </a:spcBef>
-              <a:spcAft>
-                <a:spcPts val="0"/>
-              </a:spcAft>
-              <a:buClrTx/>
-              <a:buSzTx/>
-              <a:buFontTx/>
-              <a:buNone/>
-              <a:tabLst/>
-              <a:defRPr/>
-            </a:pPr>
-            <a:r>
-              <a:rPr kumimoji="0" lang="en-US" sz="1600" b="0" i="0" u="none" strike="noStrike" kern="1200" cap="none" spc="0" normalizeH="0" baseline="0" noProof="0" dirty="0">
-                <a:ln>
-                  <a:noFill/>
-                </a:ln>
-                <a:solidFill>
-                  <a:prstClr val="black"/>
-                </a:solidFill>
-                <a:effectLst/>
-                <a:uLnTx/>
-                <a:uFillTx/>
-                <a:latin typeface="Cascadia Code" panose="020B0609020000020004" pitchFamily="49" charset="0"/>
-                <a:ea typeface="Cascadia Code" panose="020B0609020000020004" pitchFamily="49" charset="0"/>
-                <a:cs typeface="Cascadia Code" panose="020B0609020000020004" pitchFamily="49" charset="0"/>
-              </a:rPr>
-              <a:t>}</a:t>
-            </a:r>
-          </a:p>
-        </p:txBody>
-      </p:sp>
-      <p:sp>
-        <p:nvSpPr>
-          <p:cNvPr id="48" name="TextBox 47">
-            <a:extLst>
-              <a:ext uri="{FF2B5EF4-FFF2-40B4-BE49-F238E27FC236}">
-                <a16:creationId xmlns:a16="http://schemas.microsoft.com/office/drawing/2014/main" id="{8F1598BD-AA70-588C-91AD-B87813DF829D}"/>
-              </a:ext>
-            </a:extLst>
-          </p:cNvPr>
-          <p:cNvSpPr txBox="1"/>
-          <p:nvPr/>
-        </p:nvSpPr>
-        <p:spPr>
-          <a:xfrm>
-            <a:off x="3342639" y="5985030"/>
-            <a:ext cx="3538451" cy="830997"/>
-          </a:xfrm>
-          <a:prstGeom prst="rect">
-            <a:avLst/>
-          </a:prstGeom>
-          <a:noFill/>
-        </p:spPr>
-        <p:txBody>
-          <a:bodyPr wrap="square" rtlCol="0">
-            <a:spAutoFit/>
-          </a:bodyPr>
-          <a:lstStyle/>
-          <a:p>
-            <a:pPr marL="0" marR="0" lvl="0" indent="0" algn="l" defTabSz="914400" rtl="0" eaLnBrk="1" fontAlgn="auto" latinLnBrk="0" hangingPunct="1">
-              <a:lnSpc>
-                <a:spcPct val="100000"/>
-              </a:lnSpc>
-              <a:spcBef>
-                <a:spcPts val="0"/>
-              </a:spcBef>
-              <a:spcAft>
-                <a:spcPts val="0"/>
-              </a:spcAft>
-              <a:buClrTx/>
-              <a:buSzTx/>
-              <a:buFontTx/>
-              <a:buNone/>
-              <a:tabLst/>
-              <a:defRPr/>
-            </a:pPr>
-            <a:r>
-              <a:rPr kumimoji="0" lang="en-US" sz="1600" b="0" i="0" u="none" strike="noStrike" kern="1200" cap="none" spc="0" normalizeH="0" baseline="0" noProof="0" dirty="0" err="1">
-                <a:ln>
-                  <a:noFill/>
-                </a:ln>
-                <a:solidFill>
-                  <a:prstClr val="black"/>
-                </a:solidFill>
-                <a:effectLst/>
-                <a:uLnTx/>
-                <a:uFillTx/>
-                <a:latin typeface="Cascadia Code" panose="020B0609020000020004" pitchFamily="49" charset="0"/>
-                <a:ea typeface="Cascadia Code" panose="020B0609020000020004" pitchFamily="49" charset="0"/>
-                <a:cs typeface="Cascadia Code" panose="020B0609020000020004" pitchFamily="49" charset="0"/>
-              </a:rPr>
-              <a:t>isEmpty</a:t>
-            </a:r>
-            <a:r>
-              <a:rPr kumimoji="0" lang="en-US" sz="1600" b="0" i="0" u="none" strike="noStrike" kern="1200" cap="none" spc="0" normalizeH="0" baseline="0" noProof="0" dirty="0">
-                <a:ln>
-                  <a:noFill/>
-                </a:ln>
-                <a:solidFill>
-                  <a:prstClr val="black"/>
-                </a:solidFill>
-                <a:effectLst/>
-                <a:uLnTx/>
-                <a:uFillTx/>
-                <a:latin typeface="Cascadia Code" panose="020B0609020000020004" pitchFamily="49" charset="0"/>
-                <a:ea typeface="Cascadia Code" panose="020B0609020000020004" pitchFamily="49" charset="0"/>
-                <a:cs typeface="Cascadia Code" panose="020B0609020000020004" pitchFamily="49" charset="0"/>
-              </a:rPr>
-              <a:t>(){</a:t>
-            </a:r>
-          </a:p>
-          <a:p>
-            <a:pPr marL="0" marR="0" lvl="0" indent="0" algn="l" defTabSz="914400" rtl="0" eaLnBrk="1" fontAlgn="auto" latinLnBrk="0" hangingPunct="1">
-              <a:lnSpc>
-                <a:spcPct val="100000"/>
-              </a:lnSpc>
-              <a:spcBef>
-                <a:spcPts val="0"/>
-              </a:spcBef>
-              <a:spcAft>
-                <a:spcPts val="0"/>
-              </a:spcAft>
-              <a:buClrTx/>
-              <a:buSzTx/>
-              <a:buFontTx/>
-              <a:buNone/>
-              <a:tabLst/>
-              <a:defRPr/>
-            </a:pPr>
-            <a:r>
-              <a:rPr kumimoji="0" lang="en-US" sz="1600" b="0" i="0" u="none" strike="noStrike" kern="1200" cap="none" spc="0" normalizeH="0" baseline="0" noProof="0" dirty="0">
-                <a:ln>
-                  <a:noFill/>
-                </a:ln>
-                <a:solidFill>
-                  <a:prstClr val="black"/>
-                </a:solidFill>
-                <a:effectLst/>
-                <a:uLnTx/>
-                <a:uFillTx/>
-                <a:latin typeface="Cascadia Code" panose="020B0609020000020004" pitchFamily="49" charset="0"/>
-                <a:ea typeface="Cascadia Code" panose="020B0609020000020004" pitchFamily="49" charset="0"/>
-                <a:cs typeface="Cascadia Code" panose="020B0609020000020004" pitchFamily="49" charset="0"/>
-              </a:rPr>
-              <a:t>    return front == null;</a:t>
-            </a:r>
-          </a:p>
-          <a:p>
-            <a:pPr marL="0" marR="0" lvl="0" indent="0" algn="l" defTabSz="914400" rtl="0" eaLnBrk="1" fontAlgn="auto" latinLnBrk="0" hangingPunct="1">
-              <a:lnSpc>
-                <a:spcPct val="100000"/>
-              </a:lnSpc>
-              <a:spcBef>
-                <a:spcPts val="0"/>
-              </a:spcBef>
-              <a:spcAft>
-                <a:spcPts val="0"/>
-              </a:spcAft>
-              <a:buClrTx/>
-              <a:buSzTx/>
-              <a:buFontTx/>
-              <a:buNone/>
-              <a:tabLst/>
-              <a:defRPr/>
-            </a:pPr>
-            <a:r>
-              <a:rPr kumimoji="0" lang="en-US" sz="1600" b="0" i="0" u="none" strike="noStrike" kern="1200" cap="none" spc="0" normalizeH="0" baseline="0" noProof="0" dirty="0">
-                <a:ln>
-                  <a:noFill/>
-                </a:ln>
-                <a:solidFill>
-                  <a:prstClr val="black"/>
-                </a:solidFill>
-                <a:effectLst/>
-                <a:uLnTx/>
-                <a:uFillTx/>
-                <a:latin typeface="Cascadia Code" panose="020B0609020000020004" pitchFamily="49" charset="0"/>
-                <a:ea typeface="Cascadia Code" panose="020B0609020000020004" pitchFamily="49" charset="0"/>
-                <a:cs typeface="Cascadia Code" panose="020B0609020000020004" pitchFamily="49" charset="0"/>
-              </a:rPr>
-              <a:t>}</a:t>
-            </a:r>
-          </a:p>
-        </p:txBody>
-      </p:sp>
-    </p:spTree>
-    <p:extLst>
-      <p:ext uri="{BB962C8B-B14F-4D97-AF65-F5344CB8AC3E}">
-        <p14:creationId xmlns:p14="http://schemas.microsoft.com/office/powerpoint/2010/main" val="664572676"/>
       </p:ext>
     </p:extLst>
   </p:cSld>
@@ -23552,7 +20322,7 @@
       </p:sp>
       <p:grpSp>
         <p:nvGrpSpPr>
-          <p:cNvPr id="34" name="Group 33">
+          <p:cNvPr id="34" name="Group 33" descr="We now have the original linked nodes representation of queue, and additionally have a new node containing the value 3. There is a variable called &quot;last&quot; that references this new node.">
             <a:extLst>
               <a:ext uri="{FF2B5EF4-FFF2-40B4-BE49-F238E27FC236}">
                 <a16:creationId xmlns:a16="http://schemas.microsoft.com/office/drawing/2014/main" id="{0C5EB446-976C-1E88-C07E-F6B4D85A9068}"/>
@@ -25928,7 +22698,7 @@
       </p:sp>
       <p:grpSp>
         <p:nvGrpSpPr>
-          <p:cNvPr id="69" name="Group 68">
+          <p:cNvPr id="69" name="Group 68" descr="The original linked nodes representation of the queue has been updated so that the previously last node (that which &quot;back&quot; points to) now has a reference to the new node (which &quot;last&quot; still points to).">
             <a:extLst>
               <a:ext uri="{FF2B5EF4-FFF2-40B4-BE49-F238E27FC236}">
                 <a16:creationId xmlns:a16="http://schemas.microsoft.com/office/drawing/2014/main" id="{6636B826-D941-805C-879A-0BBA9B3BE2C7}"/>
@@ -27778,7 +24548,7 @@
       </p:sp>
       <p:grpSp>
         <p:nvGrpSpPr>
-          <p:cNvPr id="35" name="Group 34">
+          <p:cNvPr id="35" name="Group 34" descr="The linked nodes representation of the queue so that back now points to the new node.">
             <a:extLst>
               <a:ext uri="{FF2B5EF4-FFF2-40B4-BE49-F238E27FC236}">
                 <a16:creationId xmlns:a16="http://schemas.microsoft.com/office/drawing/2014/main" id="{A246CEF7-3E8E-66AE-E238-D4920A7B0074}"/>
@@ -29922,7 +26692,7 @@
       </p:sp>
       <p:grpSp>
         <p:nvGrpSpPr>
-          <p:cNvPr id="35" name="Group 34">
+          <p:cNvPr id="35" name="Group 34" descr="The final linked nodes representation. The front pointer is unchanged, but now the back pointer references the newly-added node.">
             <a:extLst>
               <a:ext uri="{FF2B5EF4-FFF2-40B4-BE49-F238E27FC236}">
                 <a16:creationId xmlns:a16="http://schemas.microsoft.com/office/drawing/2014/main" id="{FEDDD9CB-BABB-C907-B457-D43FBF3D45F0}"/>
@@ -33742,7 +30512,7 @@
       </p:sp>
       <p:grpSp>
         <p:nvGrpSpPr>
-          <p:cNvPr id="4" name="Group 3">
+          <p:cNvPr id="4" name="Group 3" descr="We have the still-unchanged linked nodes representation of the queue, but additionally have a variable called &quot;first&quot; which contains the value contained in the node which front references.">
             <a:extLst>
               <a:ext uri="{FF2B5EF4-FFF2-40B4-BE49-F238E27FC236}">
                 <a16:creationId xmlns:a16="http://schemas.microsoft.com/office/drawing/2014/main" id="{D9D658BE-49AD-9CF2-23CC-6D6EA2337589}"/>
